--- a/Diagramme/Stack und Heap.pptx
+++ b/Diagramme/Stack und Heap.pptx
@@ -6,6 +6,13 @@
   </p:sldMasterIdLst>
   <p:sldIdLst>
     <p:sldId id="256" r:id="rId2"/>
+    <p:sldId id="257" r:id="rId3"/>
+    <p:sldId id="258" r:id="rId4"/>
+    <p:sldId id="259" r:id="rId5"/>
+    <p:sldId id="260" r:id="rId6"/>
+    <p:sldId id="261" r:id="rId7"/>
+    <p:sldId id="262" r:id="rId8"/>
+    <p:sldId id="263" r:id="rId9"/>
   </p:sldIdLst>
   <p:sldSz cx="12192000" cy="6858000"/>
   <p:notesSz cx="6858000" cy="9144000"/>
@@ -104,6 +111,11 @@
       </a:defRPr>
     </a:lvl9pPr>
   </p:defaultTextStyle>
+  <p:extLst>
+    <p:ext uri="{EFAFB233-063F-42B5-8137-9DF3F51BA10A}">
+      <p15:sldGuideLst xmlns:p15="http://schemas.microsoft.com/office/powerpoint/2012/main"/>
+    </p:ext>
+  </p:extLst>
 </p:presentation>
 </file>
 
@@ -238,7 +250,7 @@
           <a:p>
             <a:fld id="{4A265844-5D64-49BD-85AA-87E12FCC9469}" type="datetimeFigureOut">
               <a:rPr lang="de-DE" smtClean="0"/>
-              <a:t>13.09.2019</a:t>
+              <a:t>19.09.2019</a:t>
             </a:fld>
             <a:endParaRPr lang="de-DE"/>
           </a:p>
@@ -408,7 +420,7 @@
           <a:p>
             <a:fld id="{4A265844-5D64-49BD-85AA-87E12FCC9469}" type="datetimeFigureOut">
               <a:rPr lang="de-DE" smtClean="0"/>
-              <a:t>13.09.2019</a:t>
+              <a:t>19.09.2019</a:t>
             </a:fld>
             <a:endParaRPr lang="de-DE"/>
           </a:p>
@@ -588,7 +600,7 @@
           <a:p>
             <a:fld id="{4A265844-5D64-49BD-85AA-87E12FCC9469}" type="datetimeFigureOut">
               <a:rPr lang="de-DE" smtClean="0"/>
-              <a:t>13.09.2019</a:t>
+              <a:t>19.09.2019</a:t>
             </a:fld>
             <a:endParaRPr lang="de-DE"/>
           </a:p>
@@ -758,7 +770,7 @@
           <a:p>
             <a:fld id="{4A265844-5D64-49BD-85AA-87E12FCC9469}" type="datetimeFigureOut">
               <a:rPr lang="de-DE" smtClean="0"/>
-              <a:t>13.09.2019</a:t>
+              <a:t>19.09.2019</a:t>
             </a:fld>
             <a:endParaRPr lang="de-DE"/>
           </a:p>
@@ -1004,7 +1016,7 @@
           <a:p>
             <a:fld id="{4A265844-5D64-49BD-85AA-87E12FCC9469}" type="datetimeFigureOut">
               <a:rPr lang="de-DE" smtClean="0"/>
-              <a:t>13.09.2019</a:t>
+              <a:t>19.09.2019</a:t>
             </a:fld>
             <a:endParaRPr lang="de-DE"/>
           </a:p>
@@ -1236,7 +1248,7 @@
           <a:p>
             <a:fld id="{4A265844-5D64-49BD-85AA-87E12FCC9469}" type="datetimeFigureOut">
               <a:rPr lang="de-DE" smtClean="0"/>
-              <a:t>13.09.2019</a:t>
+              <a:t>19.09.2019</a:t>
             </a:fld>
             <a:endParaRPr lang="de-DE"/>
           </a:p>
@@ -1603,7 +1615,7 @@
           <a:p>
             <a:fld id="{4A265844-5D64-49BD-85AA-87E12FCC9469}" type="datetimeFigureOut">
               <a:rPr lang="de-DE" smtClean="0"/>
-              <a:t>13.09.2019</a:t>
+              <a:t>19.09.2019</a:t>
             </a:fld>
             <a:endParaRPr lang="de-DE"/>
           </a:p>
@@ -1721,7 +1733,7 @@
           <a:p>
             <a:fld id="{4A265844-5D64-49BD-85AA-87E12FCC9469}" type="datetimeFigureOut">
               <a:rPr lang="de-DE" smtClean="0"/>
-              <a:t>13.09.2019</a:t>
+              <a:t>19.09.2019</a:t>
             </a:fld>
             <a:endParaRPr lang="de-DE"/>
           </a:p>
@@ -1816,7 +1828,7 @@
           <a:p>
             <a:fld id="{4A265844-5D64-49BD-85AA-87E12FCC9469}" type="datetimeFigureOut">
               <a:rPr lang="de-DE" smtClean="0"/>
-              <a:t>13.09.2019</a:t>
+              <a:t>19.09.2019</a:t>
             </a:fld>
             <a:endParaRPr lang="de-DE"/>
           </a:p>
@@ -2093,7 +2105,7 @@
           <a:p>
             <a:fld id="{4A265844-5D64-49BD-85AA-87E12FCC9469}" type="datetimeFigureOut">
               <a:rPr lang="de-DE" smtClean="0"/>
-              <a:t>13.09.2019</a:t>
+              <a:t>19.09.2019</a:t>
             </a:fld>
             <a:endParaRPr lang="de-DE"/>
           </a:p>
@@ -2346,7 +2358,7 @@
           <a:p>
             <a:fld id="{4A265844-5D64-49BD-85AA-87E12FCC9469}" type="datetimeFigureOut">
               <a:rPr lang="de-DE" smtClean="0"/>
-              <a:t>13.09.2019</a:t>
+              <a:t>19.09.2019</a:t>
             </a:fld>
             <a:endParaRPr lang="de-DE"/>
           </a:p>
@@ -2559,7 +2571,7 @@
           <a:p>
             <a:fld id="{4A265844-5D64-49BD-85AA-87E12FCC9469}" type="datetimeFigureOut">
               <a:rPr lang="de-DE" smtClean="0"/>
-              <a:t>13.09.2019</a:t>
+              <a:t>19.09.2019</a:t>
             </a:fld>
             <a:endParaRPr lang="de-DE"/>
           </a:p>
@@ -3017,10 +3029,10 @@
           <a:lstStyle/>
           <a:p>
             <a:r>
-              <a:rPr lang="de-DE" dirty="0" smtClean="0"/>
+              <a:rPr lang="de-DE" smtClean="0"/>
               <a:t>Stack</a:t>
             </a:r>
-            <a:endParaRPr lang="de-DE" dirty="0"/>
+            <a:endParaRPr lang="de-DE"/>
           </a:p>
         </p:txBody>
       </p:sp>
@@ -3047,10 +3059,10 @@
           <a:lstStyle/>
           <a:p>
             <a:r>
-              <a:rPr lang="de-DE" dirty="0" smtClean="0"/>
+              <a:rPr lang="de-DE" smtClean="0"/>
               <a:t>Heap</a:t>
             </a:r>
-            <a:endParaRPr lang="de-DE" dirty="0"/>
+            <a:endParaRPr lang="de-DE"/>
           </a:p>
         </p:txBody>
       </p:sp>
@@ -3077,31 +3089,31 @@
           <a:lstStyle/>
           <a:p>
             <a:r>
-              <a:rPr lang="de-DE" dirty="0" err="1"/>
+              <a:rPr lang="de-DE" err="1"/>
               <a:t>int</a:t>
             </a:r>
             <a:r>
-              <a:rPr lang="de-DE" dirty="0"/>
+              <a:rPr lang="de-DE"/>
               <a:t> x = 2;</a:t>
             </a:r>
           </a:p>
           <a:p>
             <a:r>
-              <a:rPr lang="de-DE" dirty="0" err="1"/>
+              <a:rPr lang="de-DE" err="1"/>
               <a:t>int</a:t>
             </a:r>
             <a:r>
-              <a:rPr lang="de-DE" dirty="0"/>
+              <a:rPr lang="de-DE"/>
               <a:t> y = 3;</a:t>
             </a:r>
           </a:p>
           <a:p>
             <a:r>
-              <a:rPr lang="de-DE" dirty="0" err="1"/>
+              <a:rPr lang="de-DE" err="1"/>
               <a:t>int</a:t>
             </a:r>
             <a:r>
-              <a:rPr lang="de-DE" dirty="0"/>
+              <a:rPr lang="de-DE"/>
               <a:t> z = x + y;</a:t>
             </a:r>
           </a:p>
@@ -3144,10 +3156,10 @@
           <a:p>
             <a:pPr algn="ctr"/>
             <a:r>
-              <a:rPr lang="de-DE" dirty="0" smtClean="0"/>
+              <a:rPr lang="de-DE" smtClean="0"/>
               <a:t>0000..0010</a:t>
             </a:r>
-            <a:endParaRPr lang="de-DE" dirty="0"/>
+            <a:endParaRPr lang="de-DE"/>
           </a:p>
         </p:txBody>
       </p:sp>
@@ -3174,10 +3186,10 @@
           <a:lstStyle/>
           <a:p>
             <a:r>
-              <a:rPr lang="de-DE" dirty="0" smtClean="0"/>
+              <a:rPr lang="de-DE" smtClean="0"/>
               <a:t>x</a:t>
             </a:r>
-            <a:endParaRPr lang="de-DE" dirty="0"/>
+            <a:endParaRPr lang="de-DE"/>
           </a:p>
         </p:txBody>
       </p:sp>
@@ -3218,10 +3230,10 @@
           <a:p>
             <a:pPr algn="ctr"/>
             <a:r>
-              <a:rPr lang="de-DE" dirty="0" smtClean="0"/>
+              <a:rPr lang="de-DE" smtClean="0"/>
               <a:t>0000..0011</a:t>
             </a:r>
-            <a:endParaRPr lang="de-DE" dirty="0"/>
+            <a:endParaRPr lang="de-DE"/>
           </a:p>
         </p:txBody>
       </p:sp>
@@ -3248,10 +3260,10 @@
           <a:lstStyle/>
           <a:p>
             <a:r>
-              <a:rPr lang="de-DE" dirty="0" smtClean="0"/>
+              <a:rPr lang="de-DE" smtClean="0"/>
               <a:t>y</a:t>
             </a:r>
-            <a:endParaRPr lang="de-DE" dirty="0"/>
+            <a:endParaRPr lang="de-DE"/>
           </a:p>
         </p:txBody>
       </p:sp>
@@ -3292,10 +3304,10 @@
           <a:p>
             <a:pPr algn="ctr"/>
             <a:r>
-              <a:rPr lang="de-DE" dirty="0" smtClean="0"/>
+              <a:rPr lang="de-DE" smtClean="0"/>
               <a:t>0000..0101</a:t>
             </a:r>
-            <a:endParaRPr lang="de-DE" dirty="0"/>
+            <a:endParaRPr lang="de-DE"/>
           </a:p>
         </p:txBody>
       </p:sp>
@@ -3322,10 +3334,10 @@
           <a:lstStyle/>
           <a:p>
             <a:r>
-              <a:rPr lang="de-DE" dirty="0" smtClean="0"/>
+              <a:rPr lang="de-DE" smtClean="0"/>
               <a:t>z</a:t>
             </a:r>
-            <a:endParaRPr lang="de-DE" dirty="0"/>
+            <a:endParaRPr lang="de-DE"/>
           </a:p>
         </p:txBody>
       </p:sp>
@@ -3333,6 +3345,2606 @@
     <p:extLst>
       <p:ext uri="{BB962C8B-B14F-4D97-AF65-F5344CB8AC3E}">
         <p14:creationId xmlns:p14="http://schemas.microsoft.com/office/powerpoint/2010/main" val="112419846"/>
+      </p:ext>
+    </p:extLst>
+  </p:cSld>
+  <p:clrMapOvr>
+    <a:masterClrMapping/>
+  </p:clrMapOvr>
+</p:sld>
+</file>
+
+<file path=ppt/slides/slide2.xml><?xml version="1.0" encoding="utf-8"?>
+<p:sld xmlns:a="http://schemas.openxmlformats.org/drawingml/2006/main" xmlns:r="http://schemas.openxmlformats.org/officeDocument/2006/relationships" xmlns:p="http://schemas.openxmlformats.org/presentationml/2006/main">
+  <p:cSld>
+    <p:spTree>
+      <p:nvGrpSpPr>
+        <p:cNvPr id="1" name=""/>
+        <p:cNvGrpSpPr/>
+        <p:nvPr/>
+      </p:nvGrpSpPr>
+      <p:grpSpPr>
+        <a:xfrm>
+          <a:off x="0" y="0"/>
+          <a:ext cx="0" cy="0"/>
+          <a:chOff x="0" y="0"/>
+          <a:chExt cx="0" cy="0"/>
+        </a:xfrm>
+      </p:grpSpPr>
+      <p:sp>
+        <p:nvSpPr>
+          <p:cNvPr id="2" name="Titel 1"/>
+          <p:cNvSpPr>
+            <a:spLocks noGrp="1"/>
+          </p:cNvSpPr>
+          <p:nvPr>
+            <p:ph type="title"/>
+          </p:nvPr>
+        </p:nvSpPr>
+        <p:spPr/>
+        <p:txBody>
+          <a:bodyPr/>
+          <a:lstStyle/>
+          <a:p>
+            <a:r>
+              <a:rPr lang="de-DE" smtClean="0"/>
+              <a:t>Lokale Variablen</a:t>
+            </a:r>
+            <a:endParaRPr lang="de-DE"/>
+          </a:p>
+        </p:txBody>
+      </p:sp>
+      <p:sp>
+        <p:nvSpPr>
+          <p:cNvPr id="3" name="Inhaltsplatzhalter 2"/>
+          <p:cNvSpPr>
+            <a:spLocks noGrp="1"/>
+          </p:cNvSpPr>
+          <p:nvPr>
+            <p:ph idx="1"/>
+          </p:nvPr>
+        </p:nvSpPr>
+        <p:spPr/>
+        <p:txBody>
+          <a:bodyPr>
+            <a:normAutofit lnSpcReduction="10000"/>
+          </a:bodyPr>
+          <a:lstStyle/>
+          <a:p>
+            <a:r>
+              <a:rPr lang="de-DE" smtClean="0"/>
+              <a:t>Lokale </a:t>
+            </a:r>
+            <a:r>
+              <a:rPr lang="de-DE"/>
+              <a:t>Variablen sind Variable, die eine Methode für sich selbst definiert.</a:t>
+            </a:r>
+          </a:p>
+          <a:p>
+            <a:r>
+              <a:rPr lang="de-DE" smtClean="0"/>
+              <a:t>Lokale </a:t>
+            </a:r>
+            <a:r>
+              <a:rPr lang="de-DE"/>
+              <a:t>variablen landen auf dem Stack</a:t>
+            </a:r>
+          </a:p>
+          <a:p>
+            <a:r>
+              <a:rPr lang="de-DE" smtClean="0"/>
+              <a:t>Lokale </a:t>
+            </a:r>
+            <a:r>
+              <a:rPr lang="de-DE"/>
+              <a:t>Variablen sind ab der Stelle der Definition (der Einführung) bis zum Ende des Blockes gültig</a:t>
+            </a:r>
+          </a:p>
+          <a:p>
+            <a:r>
+              <a:rPr lang="de-DE" smtClean="0"/>
+              <a:t>Lokale </a:t>
+            </a:r>
+            <a:r>
+              <a:rPr lang="de-DE"/>
+              <a:t>Variablen einer Methode sind für die anderen Methoden nicht </a:t>
+            </a:r>
+            <a:r>
+              <a:rPr lang="de-DE"/>
+              <a:t>erreichbar </a:t>
+            </a:r>
+            <a:r>
+              <a:rPr lang="de-DE" smtClean="0"/>
+              <a:t> </a:t>
+            </a:r>
+            <a:r>
+              <a:rPr lang="de-DE"/>
+              <a:t>(außer den Anfangswert für einen Parameter als Argument beim Aufruf </a:t>
+            </a:r>
+            <a:r>
+              <a:rPr lang="de-DE"/>
+              <a:t>übergeben</a:t>
+            </a:r>
+            <a:r>
+              <a:rPr lang="de-DE" smtClean="0"/>
+              <a:t>).</a:t>
+            </a:r>
+            <a:endParaRPr lang="de-DE"/>
+          </a:p>
+          <a:p>
+            <a:r>
+              <a:rPr lang="de-DE" smtClean="0"/>
+              <a:t>Parameter </a:t>
+            </a:r>
+            <a:r>
+              <a:rPr lang="de-DE"/>
+              <a:t>sind auch lokale Variablen der Methode, die aber beim Aufruf der Methode </a:t>
+            </a:r>
+            <a:r>
+              <a:rPr lang="de-DE"/>
+              <a:t>initialisiert </a:t>
+            </a:r>
+            <a:r>
+              <a:rPr lang="de-DE" smtClean="0"/>
+              <a:t>werden</a:t>
+            </a:r>
+          </a:p>
+        </p:txBody>
+      </p:sp>
+    </p:spTree>
+    <p:extLst>
+      <p:ext uri="{BB962C8B-B14F-4D97-AF65-F5344CB8AC3E}">
+        <p14:creationId xmlns:p14="http://schemas.microsoft.com/office/powerpoint/2010/main" val="3228684485"/>
+      </p:ext>
+    </p:extLst>
+  </p:cSld>
+  <p:clrMapOvr>
+    <a:masterClrMapping/>
+  </p:clrMapOvr>
+</p:sld>
+</file>
+
+<file path=ppt/slides/slide3.xml><?xml version="1.0" encoding="utf-8"?>
+<p:sld xmlns:a="http://schemas.openxmlformats.org/drawingml/2006/main" xmlns:r="http://schemas.openxmlformats.org/officeDocument/2006/relationships" xmlns:p="http://schemas.openxmlformats.org/presentationml/2006/main">
+  <p:cSld>
+    <p:spTree>
+      <p:nvGrpSpPr>
+        <p:cNvPr id="1" name=""/>
+        <p:cNvGrpSpPr/>
+        <p:nvPr/>
+      </p:nvGrpSpPr>
+      <p:grpSpPr>
+        <a:xfrm>
+          <a:off x="0" y="0"/>
+          <a:ext cx="0" cy="0"/>
+          <a:chOff x="0" y="0"/>
+          <a:chExt cx="0" cy="0"/>
+        </a:xfrm>
+      </p:grpSpPr>
+      <p:cxnSp>
+        <p:nvCxnSpPr>
+          <p:cNvPr id="5" name="Gerader Verbinder 4"/>
+          <p:cNvCxnSpPr/>
+          <p:nvPr/>
+        </p:nvCxnSpPr>
+        <p:spPr>
+          <a:xfrm>
+            <a:off x="3143250" y="171450"/>
+            <a:ext cx="11430" cy="6686550"/>
+          </a:xfrm>
+          <a:prstGeom prst="line">
+            <a:avLst/>
+          </a:prstGeom>
+        </p:spPr>
+        <p:style>
+          <a:lnRef idx="1">
+            <a:schemeClr val="accent1"/>
+          </a:lnRef>
+          <a:fillRef idx="0">
+            <a:schemeClr val="accent1"/>
+          </a:fillRef>
+          <a:effectRef idx="0">
+            <a:schemeClr val="accent1"/>
+          </a:effectRef>
+          <a:fontRef idx="minor">
+            <a:schemeClr val="tx1"/>
+          </a:fontRef>
+        </p:style>
+      </p:cxnSp>
+      <p:sp>
+        <p:nvSpPr>
+          <p:cNvPr id="6" name="Textfeld 5"/>
+          <p:cNvSpPr txBox="1"/>
+          <p:nvPr/>
+        </p:nvSpPr>
+        <p:spPr>
+          <a:xfrm>
+            <a:off x="182880" y="171450"/>
+            <a:ext cx="677173" cy="369332"/>
+          </a:xfrm>
+          <a:prstGeom prst="rect">
+            <a:avLst/>
+          </a:prstGeom>
+          <a:noFill/>
+        </p:spPr>
+        <p:txBody>
+          <a:bodyPr wrap="none" rtlCol="0">
+            <a:spAutoFit/>
+          </a:bodyPr>
+          <a:lstStyle/>
+          <a:p>
+            <a:r>
+              <a:rPr lang="de-DE" smtClean="0"/>
+              <a:t>Stack</a:t>
+            </a:r>
+            <a:endParaRPr lang="de-DE"/>
+          </a:p>
+        </p:txBody>
+      </p:sp>
+      <p:sp>
+        <p:nvSpPr>
+          <p:cNvPr id="7" name="Textfeld 6"/>
+          <p:cNvSpPr txBox="1"/>
+          <p:nvPr/>
+        </p:nvSpPr>
+        <p:spPr>
+          <a:xfrm>
+            <a:off x="3600450" y="171450"/>
+            <a:ext cx="676788" cy="369332"/>
+          </a:xfrm>
+          <a:prstGeom prst="rect">
+            <a:avLst/>
+          </a:prstGeom>
+          <a:noFill/>
+        </p:spPr>
+        <p:txBody>
+          <a:bodyPr wrap="none" rtlCol="0">
+            <a:spAutoFit/>
+          </a:bodyPr>
+          <a:lstStyle/>
+          <a:p>
+            <a:r>
+              <a:rPr lang="de-DE" smtClean="0"/>
+              <a:t>Heap</a:t>
+            </a:r>
+            <a:endParaRPr lang="de-DE"/>
+          </a:p>
+        </p:txBody>
+      </p:sp>
+      <p:sp>
+        <p:nvSpPr>
+          <p:cNvPr id="8" name="Textfeld 7"/>
+          <p:cNvSpPr txBox="1"/>
+          <p:nvPr/>
+        </p:nvSpPr>
+        <p:spPr>
+          <a:xfrm>
+            <a:off x="9063990" y="356116"/>
+            <a:ext cx="2511265" cy="3416320"/>
+          </a:xfrm>
+          <a:prstGeom prst="rect">
+            <a:avLst/>
+          </a:prstGeom>
+          <a:noFill/>
+        </p:spPr>
+        <p:txBody>
+          <a:bodyPr wrap="none" rtlCol="0">
+            <a:spAutoFit/>
+          </a:bodyPr>
+          <a:lstStyle/>
+          <a:p>
+            <a:r>
+              <a:rPr lang="de-DE" smtClean="0"/>
+              <a:t>…main… {</a:t>
+            </a:r>
+          </a:p>
+          <a:p>
+            <a:r>
+              <a:rPr lang="de-DE" smtClean="0"/>
+              <a:t>    </a:t>
+            </a:r>
+            <a:r>
+              <a:rPr lang="de-DE" b="1" smtClean="0"/>
+              <a:t>int x;</a:t>
+            </a:r>
+          </a:p>
+          <a:p>
+            <a:r>
+              <a:rPr lang="de-DE" b="1"/>
+              <a:t> </a:t>
+            </a:r>
+            <a:r>
+              <a:rPr lang="de-DE" b="1" smtClean="0"/>
+              <a:t>   </a:t>
+            </a:r>
+            <a:r>
+              <a:rPr lang="de-DE" smtClean="0"/>
+              <a:t>x = -7;  </a:t>
+            </a:r>
+          </a:p>
+          <a:p>
+            <a:r>
+              <a:rPr lang="de-DE" smtClean="0"/>
+              <a:t>    modify(x);   </a:t>
+            </a:r>
+          </a:p>
+          <a:p>
+            <a:r>
+              <a:rPr lang="de-DE" smtClean="0"/>
+              <a:t>    System.out.println(x);</a:t>
+            </a:r>
+          </a:p>
+          <a:p>
+            <a:r>
+              <a:rPr lang="de-DE" smtClean="0"/>
+              <a:t>}</a:t>
+            </a:r>
+          </a:p>
+          <a:p>
+            <a:endParaRPr lang="de-DE"/>
+          </a:p>
+          <a:p>
+            <a:r>
+              <a:rPr lang="de-DE" smtClean="0"/>
+              <a:t>static void modify(int x) {</a:t>
+            </a:r>
+          </a:p>
+          <a:p>
+            <a:r>
+              <a:rPr lang="de-DE" smtClean="0"/>
+              <a:t>     // Zeile X</a:t>
+            </a:r>
+          </a:p>
+          <a:p>
+            <a:r>
+              <a:rPr lang="de-DE" smtClean="0"/>
+              <a:t>     x = 22;</a:t>
+            </a:r>
+          </a:p>
+          <a:p>
+            <a:r>
+              <a:rPr lang="de-DE" smtClean="0"/>
+              <a:t>     // Zeile Y</a:t>
+            </a:r>
+            <a:endParaRPr lang="de-DE"/>
+          </a:p>
+          <a:p>
+            <a:r>
+              <a:rPr lang="de-DE" smtClean="0"/>
+              <a:t>}</a:t>
+            </a:r>
+            <a:endParaRPr lang="de-DE"/>
+          </a:p>
+        </p:txBody>
+      </p:sp>
+      <p:sp>
+        <p:nvSpPr>
+          <p:cNvPr id="9" name="Rechteck 8"/>
+          <p:cNvSpPr/>
+          <p:nvPr/>
+        </p:nvSpPr>
+        <p:spPr>
+          <a:xfrm>
+            <a:off x="710613" y="6217920"/>
+            <a:ext cx="1707384" cy="331470"/>
+          </a:xfrm>
+          <a:prstGeom prst="rect">
+            <a:avLst/>
+          </a:prstGeom>
+        </p:spPr>
+        <p:style>
+          <a:lnRef idx="2">
+            <a:schemeClr val="accent1">
+              <a:shade val="50000"/>
+            </a:schemeClr>
+          </a:lnRef>
+          <a:fillRef idx="1">
+            <a:schemeClr val="accent1"/>
+          </a:fillRef>
+          <a:effectRef idx="0">
+            <a:schemeClr val="accent1"/>
+          </a:effectRef>
+          <a:fontRef idx="minor">
+            <a:schemeClr val="lt1"/>
+          </a:fontRef>
+        </p:style>
+        <p:txBody>
+          <a:bodyPr rtlCol="0" anchor="ctr"/>
+          <a:lstStyle/>
+          <a:p>
+            <a:pPr algn="ctr"/>
+            <a:r>
+              <a:rPr lang="de-DE" smtClean="0"/>
+              <a:t>müll</a:t>
+            </a:r>
+            <a:endParaRPr lang="de-DE"/>
+          </a:p>
+        </p:txBody>
+      </p:sp>
+      <p:sp>
+        <p:nvSpPr>
+          <p:cNvPr id="10" name="Textfeld 9"/>
+          <p:cNvSpPr txBox="1"/>
+          <p:nvPr/>
+        </p:nvSpPr>
+        <p:spPr>
+          <a:xfrm>
+            <a:off x="40854" y="6180058"/>
+            <a:ext cx="284052" cy="369332"/>
+          </a:xfrm>
+          <a:prstGeom prst="rect">
+            <a:avLst/>
+          </a:prstGeom>
+          <a:noFill/>
+        </p:spPr>
+        <p:txBody>
+          <a:bodyPr wrap="none" rtlCol="0">
+            <a:spAutoFit/>
+          </a:bodyPr>
+          <a:lstStyle/>
+          <a:p>
+            <a:r>
+              <a:rPr lang="de-DE" smtClean="0"/>
+              <a:t>x</a:t>
+            </a:r>
+            <a:endParaRPr lang="de-DE"/>
+          </a:p>
+        </p:txBody>
+      </p:sp>
+      <p:sp>
+        <p:nvSpPr>
+          <p:cNvPr id="11" name="Textfeld 10"/>
+          <p:cNvSpPr txBox="1"/>
+          <p:nvPr/>
+        </p:nvSpPr>
+        <p:spPr>
+          <a:xfrm>
+            <a:off x="201010" y="6383655"/>
+            <a:ext cx="444352" cy="246221"/>
+          </a:xfrm>
+          <a:prstGeom prst="rect">
+            <a:avLst/>
+          </a:prstGeom>
+          <a:noFill/>
+        </p:spPr>
+        <p:txBody>
+          <a:bodyPr wrap="none" rtlCol="0">
+            <a:spAutoFit/>
+          </a:bodyPr>
+          <a:lstStyle/>
+          <a:p>
+            <a:r>
+              <a:rPr lang="de-DE" sz="1000" smtClean="0"/>
+              <a:t>main</a:t>
+            </a:r>
+            <a:endParaRPr lang="de-DE" sz="1000"/>
+          </a:p>
+        </p:txBody>
+      </p:sp>
+    </p:spTree>
+    <p:extLst>
+      <p:ext uri="{BB962C8B-B14F-4D97-AF65-F5344CB8AC3E}">
+        <p14:creationId xmlns:p14="http://schemas.microsoft.com/office/powerpoint/2010/main" val="1671962455"/>
+      </p:ext>
+    </p:extLst>
+  </p:cSld>
+  <p:clrMapOvr>
+    <a:masterClrMapping/>
+  </p:clrMapOvr>
+</p:sld>
+</file>
+
+<file path=ppt/slides/slide4.xml><?xml version="1.0" encoding="utf-8"?>
+<p:sld xmlns:a="http://schemas.openxmlformats.org/drawingml/2006/main" xmlns:r="http://schemas.openxmlformats.org/officeDocument/2006/relationships" xmlns:p="http://schemas.openxmlformats.org/presentationml/2006/main">
+  <p:cSld>
+    <p:spTree>
+      <p:nvGrpSpPr>
+        <p:cNvPr id="1" name=""/>
+        <p:cNvGrpSpPr/>
+        <p:nvPr/>
+      </p:nvGrpSpPr>
+      <p:grpSpPr>
+        <a:xfrm>
+          <a:off x="0" y="0"/>
+          <a:ext cx="0" cy="0"/>
+          <a:chOff x="0" y="0"/>
+          <a:chExt cx="0" cy="0"/>
+        </a:xfrm>
+      </p:grpSpPr>
+      <p:cxnSp>
+        <p:nvCxnSpPr>
+          <p:cNvPr id="5" name="Gerader Verbinder 4"/>
+          <p:cNvCxnSpPr/>
+          <p:nvPr/>
+        </p:nvCxnSpPr>
+        <p:spPr>
+          <a:xfrm>
+            <a:off x="3143250" y="171450"/>
+            <a:ext cx="11430" cy="6686550"/>
+          </a:xfrm>
+          <a:prstGeom prst="line">
+            <a:avLst/>
+          </a:prstGeom>
+        </p:spPr>
+        <p:style>
+          <a:lnRef idx="1">
+            <a:schemeClr val="accent1"/>
+          </a:lnRef>
+          <a:fillRef idx="0">
+            <a:schemeClr val="accent1"/>
+          </a:fillRef>
+          <a:effectRef idx="0">
+            <a:schemeClr val="accent1"/>
+          </a:effectRef>
+          <a:fontRef idx="minor">
+            <a:schemeClr val="tx1"/>
+          </a:fontRef>
+        </p:style>
+      </p:cxnSp>
+      <p:sp>
+        <p:nvSpPr>
+          <p:cNvPr id="6" name="Textfeld 5"/>
+          <p:cNvSpPr txBox="1"/>
+          <p:nvPr/>
+        </p:nvSpPr>
+        <p:spPr>
+          <a:xfrm>
+            <a:off x="182880" y="171450"/>
+            <a:ext cx="677173" cy="369332"/>
+          </a:xfrm>
+          <a:prstGeom prst="rect">
+            <a:avLst/>
+          </a:prstGeom>
+          <a:noFill/>
+        </p:spPr>
+        <p:txBody>
+          <a:bodyPr wrap="none" rtlCol="0">
+            <a:spAutoFit/>
+          </a:bodyPr>
+          <a:lstStyle/>
+          <a:p>
+            <a:r>
+              <a:rPr lang="de-DE" smtClean="0"/>
+              <a:t>Stack</a:t>
+            </a:r>
+            <a:endParaRPr lang="de-DE"/>
+          </a:p>
+        </p:txBody>
+      </p:sp>
+      <p:sp>
+        <p:nvSpPr>
+          <p:cNvPr id="7" name="Textfeld 6"/>
+          <p:cNvSpPr txBox="1"/>
+          <p:nvPr/>
+        </p:nvSpPr>
+        <p:spPr>
+          <a:xfrm>
+            <a:off x="3600450" y="171450"/>
+            <a:ext cx="676788" cy="369332"/>
+          </a:xfrm>
+          <a:prstGeom prst="rect">
+            <a:avLst/>
+          </a:prstGeom>
+          <a:noFill/>
+        </p:spPr>
+        <p:txBody>
+          <a:bodyPr wrap="none" rtlCol="0">
+            <a:spAutoFit/>
+          </a:bodyPr>
+          <a:lstStyle/>
+          <a:p>
+            <a:r>
+              <a:rPr lang="de-DE" smtClean="0"/>
+              <a:t>Heap</a:t>
+            </a:r>
+            <a:endParaRPr lang="de-DE"/>
+          </a:p>
+        </p:txBody>
+      </p:sp>
+      <p:sp>
+        <p:nvSpPr>
+          <p:cNvPr id="8" name="Textfeld 7"/>
+          <p:cNvSpPr txBox="1"/>
+          <p:nvPr/>
+        </p:nvSpPr>
+        <p:spPr>
+          <a:xfrm>
+            <a:off x="9063990" y="356116"/>
+            <a:ext cx="2511265" cy="3416320"/>
+          </a:xfrm>
+          <a:prstGeom prst="rect">
+            <a:avLst/>
+          </a:prstGeom>
+          <a:noFill/>
+        </p:spPr>
+        <p:txBody>
+          <a:bodyPr wrap="none" rtlCol="0">
+            <a:spAutoFit/>
+          </a:bodyPr>
+          <a:lstStyle/>
+          <a:p>
+            <a:r>
+              <a:rPr lang="de-DE" smtClean="0"/>
+              <a:t>…main… {</a:t>
+            </a:r>
+          </a:p>
+          <a:p>
+            <a:r>
+              <a:rPr lang="de-DE" smtClean="0"/>
+              <a:t>    int x;</a:t>
+            </a:r>
+          </a:p>
+          <a:p>
+            <a:r>
+              <a:rPr lang="de-DE" b="1"/>
+              <a:t> </a:t>
+            </a:r>
+            <a:r>
+              <a:rPr lang="de-DE" b="1" smtClean="0"/>
+              <a:t>   x = -7;  </a:t>
+            </a:r>
+          </a:p>
+          <a:p>
+            <a:r>
+              <a:rPr lang="de-DE" smtClean="0"/>
+              <a:t>    modify(x);   </a:t>
+            </a:r>
+          </a:p>
+          <a:p>
+            <a:r>
+              <a:rPr lang="de-DE" smtClean="0"/>
+              <a:t>    System.out.println(x);</a:t>
+            </a:r>
+          </a:p>
+          <a:p>
+            <a:r>
+              <a:rPr lang="de-DE" smtClean="0"/>
+              <a:t>}</a:t>
+            </a:r>
+          </a:p>
+          <a:p>
+            <a:endParaRPr lang="de-DE"/>
+          </a:p>
+          <a:p>
+            <a:r>
+              <a:rPr lang="de-DE" smtClean="0"/>
+              <a:t>static void modify(int x) {</a:t>
+            </a:r>
+          </a:p>
+          <a:p>
+            <a:r>
+              <a:rPr lang="de-DE" smtClean="0"/>
+              <a:t>     // Zeile X</a:t>
+            </a:r>
+          </a:p>
+          <a:p>
+            <a:r>
+              <a:rPr lang="de-DE" smtClean="0"/>
+              <a:t>     x = 22;</a:t>
+            </a:r>
+          </a:p>
+          <a:p>
+            <a:r>
+              <a:rPr lang="de-DE" smtClean="0"/>
+              <a:t>     // Zeile Y</a:t>
+            </a:r>
+            <a:endParaRPr lang="de-DE"/>
+          </a:p>
+          <a:p>
+            <a:r>
+              <a:rPr lang="de-DE" smtClean="0"/>
+              <a:t>}</a:t>
+            </a:r>
+            <a:endParaRPr lang="de-DE"/>
+          </a:p>
+        </p:txBody>
+      </p:sp>
+      <p:sp>
+        <p:nvSpPr>
+          <p:cNvPr id="9" name="Rechteck 8"/>
+          <p:cNvSpPr/>
+          <p:nvPr/>
+        </p:nvSpPr>
+        <p:spPr>
+          <a:xfrm>
+            <a:off x="710613" y="6217920"/>
+            <a:ext cx="1707384" cy="331470"/>
+          </a:xfrm>
+          <a:prstGeom prst="rect">
+            <a:avLst/>
+          </a:prstGeom>
+        </p:spPr>
+        <p:style>
+          <a:lnRef idx="2">
+            <a:schemeClr val="accent1">
+              <a:shade val="50000"/>
+            </a:schemeClr>
+          </a:lnRef>
+          <a:fillRef idx="1">
+            <a:schemeClr val="accent1"/>
+          </a:fillRef>
+          <a:effectRef idx="0">
+            <a:schemeClr val="accent1"/>
+          </a:effectRef>
+          <a:fontRef idx="minor">
+            <a:schemeClr val="lt1"/>
+          </a:fontRef>
+        </p:style>
+        <p:txBody>
+          <a:bodyPr rtlCol="0" anchor="ctr"/>
+          <a:lstStyle/>
+          <a:p>
+            <a:pPr algn="ctr"/>
+            <a:r>
+              <a:rPr lang="de-DE" smtClean="0"/>
+              <a:t>-7</a:t>
+            </a:r>
+            <a:endParaRPr lang="de-DE"/>
+          </a:p>
+        </p:txBody>
+      </p:sp>
+      <p:sp>
+        <p:nvSpPr>
+          <p:cNvPr id="10" name="Textfeld 9"/>
+          <p:cNvSpPr txBox="1"/>
+          <p:nvPr/>
+        </p:nvSpPr>
+        <p:spPr>
+          <a:xfrm>
+            <a:off x="40854" y="6180058"/>
+            <a:ext cx="284052" cy="369332"/>
+          </a:xfrm>
+          <a:prstGeom prst="rect">
+            <a:avLst/>
+          </a:prstGeom>
+          <a:noFill/>
+        </p:spPr>
+        <p:txBody>
+          <a:bodyPr wrap="none" rtlCol="0">
+            <a:spAutoFit/>
+          </a:bodyPr>
+          <a:lstStyle/>
+          <a:p>
+            <a:r>
+              <a:rPr lang="de-DE" smtClean="0"/>
+              <a:t>x</a:t>
+            </a:r>
+            <a:endParaRPr lang="de-DE"/>
+          </a:p>
+        </p:txBody>
+      </p:sp>
+      <p:sp>
+        <p:nvSpPr>
+          <p:cNvPr id="11" name="Textfeld 10"/>
+          <p:cNvSpPr txBox="1"/>
+          <p:nvPr/>
+        </p:nvSpPr>
+        <p:spPr>
+          <a:xfrm>
+            <a:off x="201010" y="6383655"/>
+            <a:ext cx="444352" cy="246221"/>
+          </a:xfrm>
+          <a:prstGeom prst="rect">
+            <a:avLst/>
+          </a:prstGeom>
+          <a:noFill/>
+        </p:spPr>
+        <p:txBody>
+          <a:bodyPr wrap="none" rtlCol="0">
+            <a:spAutoFit/>
+          </a:bodyPr>
+          <a:lstStyle/>
+          <a:p>
+            <a:r>
+              <a:rPr lang="de-DE" sz="1000" smtClean="0"/>
+              <a:t>main</a:t>
+            </a:r>
+            <a:endParaRPr lang="de-DE" sz="1000"/>
+          </a:p>
+        </p:txBody>
+      </p:sp>
+      <p:sp>
+        <p:nvSpPr>
+          <p:cNvPr id="2" name="Textfeld 1"/>
+          <p:cNvSpPr txBox="1"/>
+          <p:nvPr/>
+        </p:nvSpPr>
+        <p:spPr>
+          <a:xfrm>
+            <a:off x="2576612" y="3943350"/>
+            <a:ext cx="3382657" cy="646331"/>
+          </a:xfrm>
+          <a:prstGeom prst="rect">
+            <a:avLst/>
+          </a:prstGeom>
+          <a:noFill/>
+        </p:spPr>
+        <p:txBody>
+          <a:bodyPr wrap="none" rtlCol="0">
+            <a:spAutoFit/>
+          </a:bodyPr>
+          <a:lstStyle/>
+          <a:p>
+            <a:r>
+              <a:rPr lang="de-DE" i="1" smtClean="0"/>
+              <a:t>natürlich wird -7 binär in dem</a:t>
+            </a:r>
+          </a:p>
+          <a:p>
+            <a:r>
+              <a:rPr lang="de-DE" i="1" smtClean="0"/>
+              <a:t>Block der Länge 32 bit gespeichert</a:t>
+            </a:r>
+          </a:p>
+        </p:txBody>
+      </p:sp>
+      <p:cxnSp>
+        <p:nvCxnSpPr>
+          <p:cNvPr id="4" name="Gerade Verbindung mit Pfeil 3"/>
+          <p:cNvCxnSpPr/>
+          <p:nvPr/>
+        </p:nvCxnSpPr>
+        <p:spPr>
+          <a:xfrm flipH="1">
+            <a:off x="1748790" y="4652010"/>
+            <a:ext cx="800100" cy="1528048"/>
+          </a:xfrm>
+          <a:prstGeom prst="straightConnector1">
+            <a:avLst/>
+          </a:prstGeom>
+          <a:ln>
+            <a:tailEnd type="triangle"/>
+          </a:ln>
+        </p:spPr>
+        <p:style>
+          <a:lnRef idx="1">
+            <a:schemeClr val="accent1"/>
+          </a:lnRef>
+          <a:fillRef idx="0">
+            <a:schemeClr val="accent1"/>
+          </a:fillRef>
+          <a:effectRef idx="0">
+            <a:schemeClr val="accent1"/>
+          </a:effectRef>
+          <a:fontRef idx="minor">
+            <a:schemeClr val="tx1"/>
+          </a:fontRef>
+        </p:style>
+      </p:cxnSp>
+    </p:spTree>
+    <p:extLst>
+      <p:ext uri="{BB962C8B-B14F-4D97-AF65-F5344CB8AC3E}">
+        <p14:creationId xmlns:p14="http://schemas.microsoft.com/office/powerpoint/2010/main" val="167170429"/>
+      </p:ext>
+    </p:extLst>
+  </p:cSld>
+  <p:clrMapOvr>
+    <a:masterClrMapping/>
+  </p:clrMapOvr>
+</p:sld>
+</file>
+
+<file path=ppt/slides/slide5.xml><?xml version="1.0" encoding="utf-8"?>
+<p:sld xmlns:a="http://schemas.openxmlformats.org/drawingml/2006/main" xmlns:r="http://schemas.openxmlformats.org/officeDocument/2006/relationships" xmlns:p="http://schemas.openxmlformats.org/presentationml/2006/main">
+  <p:cSld>
+    <p:spTree>
+      <p:nvGrpSpPr>
+        <p:cNvPr id="1" name=""/>
+        <p:cNvGrpSpPr/>
+        <p:nvPr/>
+      </p:nvGrpSpPr>
+      <p:grpSpPr>
+        <a:xfrm>
+          <a:off x="0" y="0"/>
+          <a:ext cx="0" cy="0"/>
+          <a:chOff x="0" y="0"/>
+          <a:chExt cx="0" cy="0"/>
+        </a:xfrm>
+      </p:grpSpPr>
+      <p:cxnSp>
+        <p:nvCxnSpPr>
+          <p:cNvPr id="5" name="Gerader Verbinder 4"/>
+          <p:cNvCxnSpPr/>
+          <p:nvPr/>
+        </p:nvCxnSpPr>
+        <p:spPr>
+          <a:xfrm>
+            <a:off x="3143250" y="171450"/>
+            <a:ext cx="11430" cy="6686550"/>
+          </a:xfrm>
+          <a:prstGeom prst="line">
+            <a:avLst/>
+          </a:prstGeom>
+        </p:spPr>
+        <p:style>
+          <a:lnRef idx="1">
+            <a:schemeClr val="accent1"/>
+          </a:lnRef>
+          <a:fillRef idx="0">
+            <a:schemeClr val="accent1"/>
+          </a:fillRef>
+          <a:effectRef idx="0">
+            <a:schemeClr val="accent1"/>
+          </a:effectRef>
+          <a:fontRef idx="minor">
+            <a:schemeClr val="tx1"/>
+          </a:fontRef>
+        </p:style>
+      </p:cxnSp>
+      <p:sp>
+        <p:nvSpPr>
+          <p:cNvPr id="6" name="Textfeld 5"/>
+          <p:cNvSpPr txBox="1"/>
+          <p:nvPr/>
+        </p:nvSpPr>
+        <p:spPr>
+          <a:xfrm>
+            <a:off x="182880" y="171450"/>
+            <a:ext cx="677173" cy="369332"/>
+          </a:xfrm>
+          <a:prstGeom prst="rect">
+            <a:avLst/>
+          </a:prstGeom>
+          <a:noFill/>
+        </p:spPr>
+        <p:txBody>
+          <a:bodyPr wrap="none" rtlCol="0">
+            <a:spAutoFit/>
+          </a:bodyPr>
+          <a:lstStyle/>
+          <a:p>
+            <a:r>
+              <a:rPr lang="de-DE" smtClean="0"/>
+              <a:t>Stack</a:t>
+            </a:r>
+            <a:endParaRPr lang="de-DE"/>
+          </a:p>
+        </p:txBody>
+      </p:sp>
+      <p:sp>
+        <p:nvSpPr>
+          <p:cNvPr id="7" name="Textfeld 6"/>
+          <p:cNvSpPr txBox="1"/>
+          <p:nvPr/>
+        </p:nvSpPr>
+        <p:spPr>
+          <a:xfrm>
+            <a:off x="3600450" y="171450"/>
+            <a:ext cx="676788" cy="369332"/>
+          </a:xfrm>
+          <a:prstGeom prst="rect">
+            <a:avLst/>
+          </a:prstGeom>
+          <a:noFill/>
+        </p:spPr>
+        <p:txBody>
+          <a:bodyPr wrap="none" rtlCol="0">
+            <a:spAutoFit/>
+          </a:bodyPr>
+          <a:lstStyle/>
+          <a:p>
+            <a:r>
+              <a:rPr lang="de-DE" smtClean="0"/>
+              <a:t>Heap</a:t>
+            </a:r>
+            <a:endParaRPr lang="de-DE"/>
+          </a:p>
+        </p:txBody>
+      </p:sp>
+      <p:sp>
+        <p:nvSpPr>
+          <p:cNvPr id="8" name="Textfeld 7"/>
+          <p:cNvSpPr txBox="1"/>
+          <p:nvPr/>
+        </p:nvSpPr>
+        <p:spPr>
+          <a:xfrm>
+            <a:off x="9063990" y="356116"/>
+            <a:ext cx="2511265" cy="3416320"/>
+          </a:xfrm>
+          <a:prstGeom prst="rect">
+            <a:avLst/>
+          </a:prstGeom>
+          <a:noFill/>
+        </p:spPr>
+        <p:txBody>
+          <a:bodyPr wrap="none" rtlCol="0">
+            <a:spAutoFit/>
+          </a:bodyPr>
+          <a:lstStyle/>
+          <a:p>
+            <a:r>
+              <a:rPr lang="de-DE" smtClean="0"/>
+              <a:t>…main… {</a:t>
+            </a:r>
+          </a:p>
+          <a:p>
+            <a:r>
+              <a:rPr lang="de-DE" smtClean="0"/>
+              <a:t>    int x;</a:t>
+            </a:r>
+          </a:p>
+          <a:p>
+            <a:r>
+              <a:rPr lang="de-DE"/>
+              <a:t> </a:t>
+            </a:r>
+            <a:r>
+              <a:rPr lang="de-DE" smtClean="0"/>
+              <a:t>   x = -7; </a:t>
+            </a:r>
+            <a:r>
+              <a:rPr lang="de-DE" b="1" smtClean="0"/>
+              <a:t> </a:t>
+            </a:r>
+          </a:p>
+          <a:p>
+            <a:r>
+              <a:rPr lang="de-DE" smtClean="0"/>
+              <a:t>    </a:t>
+            </a:r>
+            <a:r>
+              <a:rPr lang="de-DE" b="1" smtClean="0"/>
+              <a:t>modify(x);   </a:t>
+            </a:r>
+          </a:p>
+          <a:p>
+            <a:r>
+              <a:rPr lang="de-DE" smtClean="0"/>
+              <a:t>    System.out.println(x);</a:t>
+            </a:r>
+          </a:p>
+          <a:p>
+            <a:r>
+              <a:rPr lang="de-DE" smtClean="0"/>
+              <a:t>}</a:t>
+            </a:r>
+          </a:p>
+          <a:p>
+            <a:endParaRPr lang="de-DE"/>
+          </a:p>
+          <a:p>
+            <a:r>
+              <a:rPr lang="de-DE" smtClean="0"/>
+              <a:t>static void modify(</a:t>
+            </a:r>
+            <a:r>
+              <a:rPr lang="de-DE" b="1" smtClean="0"/>
+              <a:t>int x</a:t>
+            </a:r>
+            <a:r>
+              <a:rPr lang="de-DE" smtClean="0"/>
+              <a:t>) {</a:t>
+            </a:r>
+          </a:p>
+          <a:p>
+            <a:r>
+              <a:rPr lang="de-DE" smtClean="0"/>
+              <a:t>     // Zeile X</a:t>
+            </a:r>
+          </a:p>
+          <a:p>
+            <a:r>
+              <a:rPr lang="de-DE" smtClean="0"/>
+              <a:t>     x = 22;</a:t>
+            </a:r>
+          </a:p>
+          <a:p>
+            <a:r>
+              <a:rPr lang="de-DE" smtClean="0"/>
+              <a:t>     // Zeile Y</a:t>
+            </a:r>
+            <a:endParaRPr lang="de-DE"/>
+          </a:p>
+          <a:p>
+            <a:r>
+              <a:rPr lang="de-DE" smtClean="0"/>
+              <a:t>}</a:t>
+            </a:r>
+            <a:endParaRPr lang="de-DE"/>
+          </a:p>
+        </p:txBody>
+      </p:sp>
+      <p:sp>
+        <p:nvSpPr>
+          <p:cNvPr id="9" name="Rechteck 8"/>
+          <p:cNvSpPr/>
+          <p:nvPr/>
+        </p:nvSpPr>
+        <p:spPr>
+          <a:xfrm>
+            <a:off x="710613" y="6217920"/>
+            <a:ext cx="1707384" cy="331470"/>
+          </a:xfrm>
+          <a:prstGeom prst="rect">
+            <a:avLst/>
+          </a:prstGeom>
+        </p:spPr>
+        <p:style>
+          <a:lnRef idx="2">
+            <a:schemeClr val="accent1">
+              <a:shade val="50000"/>
+            </a:schemeClr>
+          </a:lnRef>
+          <a:fillRef idx="1">
+            <a:schemeClr val="accent1"/>
+          </a:fillRef>
+          <a:effectRef idx="0">
+            <a:schemeClr val="accent1"/>
+          </a:effectRef>
+          <a:fontRef idx="minor">
+            <a:schemeClr val="lt1"/>
+          </a:fontRef>
+        </p:style>
+        <p:txBody>
+          <a:bodyPr rtlCol="0" anchor="ctr"/>
+          <a:lstStyle/>
+          <a:p>
+            <a:pPr algn="ctr"/>
+            <a:r>
+              <a:rPr lang="de-DE" smtClean="0"/>
+              <a:t>-7</a:t>
+            </a:r>
+            <a:endParaRPr lang="de-DE"/>
+          </a:p>
+        </p:txBody>
+      </p:sp>
+      <p:sp>
+        <p:nvSpPr>
+          <p:cNvPr id="10" name="Textfeld 9"/>
+          <p:cNvSpPr txBox="1"/>
+          <p:nvPr/>
+        </p:nvSpPr>
+        <p:spPr>
+          <a:xfrm>
+            <a:off x="40854" y="6180058"/>
+            <a:ext cx="284052" cy="369332"/>
+          </a:xfrm>
+          <a:prstGeom prst="rect">
+            <a:avLst/>
+          </a:prstGeom>
+          <a:noFill/>
+        </p:spPr>
+        <p:txBody>
+          <a:bodyPr wrap="none" rtlCol="0">
+            <a:spAutoFit/>
+          </a:bodyPr>
+          <a:lstStyle/>
+          <a:p>
+            <a:r>
+              <a:rPr lang="de-DE" smtClean="0"/>
+              <a:t>x</a:t>
+            </a:r>
+            <a:endParaRPr lang="de-DE"/>
+          </a:p>
+        </p:txBody>
+      </p:sp>
+      <p:sp>
+        <p:nvSpPr>
+          <p:cNvPr id="11" name="Textfeld 10"/>
+          <p:cNvSpPr txBox="1"/>
+          <p:nvPr/>
+        </p:nvSpPr>
+        <p:spPr>
+          <a:xfrm>
+            <a:off x="201010" y="6383655"/>
+            <a:ext cx="444352" cy="246221"/>
+          </a:xfrm>
+          <a:prstGeom prst="rect">
+            <a:avLst/>
+          </a:prstGeom>
+          <a:noFill/>
+        </p:spPr>
+        <p:txBody>
+          <a:bodyPr wrap="none" rtlCol="0">
+            <a:spAutoFit/>
+          </a:bodyPr>
+          <a:lstStyle/>
+          <a:p>
+            <a:r>
+              <a:rPr lang="de-DE" sz="1000" smtClean="0"/>
+              <a:t>main</a:t>
+            </a:r>
+            <a:endParaRPr lang="de-DE" sz="1000"/>
+          </a:p>
+        </p:txBody>
+      </p:sp>
+      <p:cxnSp>
+        <p:nvCxnSpPr>
+          <p:cNvPr id="12" name="Gerade Verbindung mit Pfeil 11"/>
+          <p:cNvCxnSpPr/>
+          <p:nvPr/>
+        </p:nvCxnSpPr>
+        <p:spPr>
+          <a:xfrm>
+            <a:off x="10229850" y="1520190"/>
+            <a:ext cx="925830" cy="834390"/>
+          </a:xfrm>
+          <a:prstGeom prst="straightConnector1">
+            <a:avLst/>
+          </a:prstGeom>
+          <a:ln>
+            <a:tailEnd type="triangle"/>
+          </a:ln>
+        </p:spPr>
+        <p:style>
+          <a:lnRef idx="1">
+            <a:schemeClr val="accent1"/>
+          </a:lnRef>
+          <a:fillRef idx="0">
+            <a:schemeClr val="accent1"/>
+          </a:fillRef>
+          <a:effectRef idx="0">
+            <a:schemeClr val="accent1"/>
+          </a:effectRef>
+          <a:fontRef idx="minor">
+            <a:schemeClr val="tx1"/>
+          </a:fontRef>
+        </p:style>
+      </p:cxnSp>
+      <p:sp>
+        <p:nvSpPr>
+          <p:cNvPr id="13" name="Rechteck 12"/>
+          <p:cNvSpPr/>
+          <p:nvPr/>
+        </p:nvSpPr>
+        <p:spPr>
+          <a:xfrm>
+            <a:off x="738360" y="5725478"/>
+            <a:ext cx="1707384" cy="331470"/>
+          </a:xfrm>
+          <a:prstGeom prst="rect">
+            <a:avLst/>
+          </a:prstGeom>
+        </p:spPr>
+        <p:style>
+          <a:lnRef idx="2">
+            <a:schemeClr val="accent1">
+              <a:shade val="50000"/>
+            </a:schemeClr>
+          </a:lnRef>
+          <a:fillRef idx="1">
+            <a:schemeClr val="accent1"/>
+          </a:fillRef>
+          <a:effectRef idx="0">
+            <a:schemeClr val="accent1"/>
+          </a:effectRef>
+          <a:fontRef idx="minor">
+            <a:schemeClr val="lt1"/>
+          </a:fontRef>
+        </p:style>
+        <p:txBody>
+          <a:bodyPr rtlCol="0" anchor="ctr"/>
+          <a:lstStyle/>
+          <a:p>
+            <a:pPr algn="ctr"/>
+            <a:r>
+              <a:rPr lang="de-DE" smtClean="0"/>
+              <a:t>-7</a:t>
+            </a:r>
+            <a:endParaRPr lang="de-DE"/>
+          </a:p>
+        </p:txBody>
+      </p:sp>
+      <p:sp>
+        <p:nvSpPr>
+          <p:cNvPr id="14" name="Textfeld 13"/>
+          <p:cNvSpPr txBox="1"/>
+          <p:nvPr/>
+        </p:nvSpPr>
+        <p:spPr>
+          <a:xfrm>
+            <a:off x="68601" y="5687616"/>
+            <a:ext cx="284052" cy="369332"/>
+          </a:xfrm>
+          <a:prstGeom prst="rect">
+            <a:avLst/>
+          </a:prstGeom>
+          <a:noFill/>
+        </p:spPr>
+        <p:txBody>
+          <a:bodyPr wrap="none" rtlCol="0">
+            <a:spAutoFit/>
+          </a:bodyPr>
+          <a:lstStyle/>
+          <a:p>
+            <a:r>
+              <a:rPr lang="de-DE" smtClean="0"/>
+              <a:t>x</a:t>
+            </a:r>
+            <a:endParaRPr lang="de-DE"/>
+          </a:p>
+        </p:txBody>
+      </p:sp>
+      <p:sp>
+        <p:nvSpPr>
+          <p:cNvPr id="15" name="Textfeld 14"/>
+          <p:cNvSpPr txBox="1"/>
+          <p:nvPr/>
+        </p:nvSpPr>
+        <p:spPr>
+          <a:xfrm>
+            <a:off x="228757" y="5891213"/>
+            <a:ext cx="546945" cy="246221"/>
+          </a:xfrm>
+          <a:prstGeom prst="rect">
+            <a:avLst/>
+          </a:prstGeom>
+          <a:noFill/>
+        </p:spPr>
+        <p:txBody>
+          <a:bodyPr wrap="none" rtlCol="0">
+            <a:spAutoFit/>
+          </a:bodyPr>
+          <a:lstStyle/>
+          <a:p>
+            <a:r>
+              <a:rPr lang="de-DE" sz="1000" smtClean="0"/>
+              <a:t>modify</a:t>
+            </a:r>
+            <a:endParaRPr lang="de-DE" sz="1000"/>
+          </a:p>
+        </p:txBody>
+      </p:sp>
+      <p:sp>
+        <p:nvSpPr>
+          <p:cNvPr id="16" name="Textfeld 15"/>
+          <p:cNvSpPr txBox="1"/>
+          <p:nvPr/>
+        </p:nvSpPr>
+        <p:spPr>
+          <a:xfrm>
+            <a:off x="4434840" y="1520190"/>
+            <a:ext cx="3606693" cy="646331"/>
+          </a:xfrm>
+          <a:prstGeom prst="rect">
+            <a:avLst/>
+          </a:prstGeom>
+          <a:noFill/>
+        </p:spPr>
+        <p:txBody>
+          <a:bodyPr wrap="none" rtlCol="0">
+            <a:spAutoFit/>
+          </a:bodyPr>
+          <a:lstStyle/>
+          <a:p>
+            <a:r>
+              <a:rPr lang="de-DE" i="1" smtClean="0"/>
+              <a:t>argument wird im Parameter kopiert</a:t>
+            </a:r>
+          </a:p>
+          <a:p>
+            <a:r>
+              <a:rPr lang="de-DE" i="1" smtClean="0"/>
+              <a:t>x(aus modify) = x(aus main)</a:t>
+            </a:r>
+            <a:endParaRPr lang="de-DE" i="1"/>
+          </a:p>
+        </p:txBody>
+      </p:sp>
+    </p:spTree>
+    <p:extLst>
+      <p:ext uri="{BB962C8B-B14F-4D97-AF65-F5344CB8AC3E}">
+        <p14:creationId xmlns:p14="http://schemas.microsoft.com/office/powerpoint/2010/main" val="1048438275"/>
+      </p:ext>
+    </p:extLst>
+  </p:cSld>
+  <p:clrMapOvr>
+    <a:masterClrMapping/>
+  </p:clrMapOvr>
+</p:sld>
+</file>
+
+<file path=ppt/slides/slide6.xml><?xml version="1.0" encoding="utf-8"?>
+<p:sld xmlns:a="http://schemas.openxmlformats.org/drawingml/2006/main" xmlns:r="http://schemas.openxmlformats.org/officeDocument/2006/relationships" xmlns:p="http://schemas.openxmlformats.org/presentationml/2006/main">
+  <p:cSld>
+    <p:spTree>
+      <p:nvGrpSpPr>
+        <p:cNvPr id="1" name=""/>
+        <p:cNvGrpSpPr/>
+        <p:nvPr/>
+      </p:nvGrpSpPr>
+      <p:grpSpPr>
+        <a:xfrm>
+          <a:off x="0" y="0"/>
+          <a:ext cx="0" cy="0"/>
+          <a:chOff x="0" y="0"/>
+          <a:chExt cx="0" cy="0"/>
+        </a:xfrm>
+      </p:grpSpPr>
+      <p:cxnSp>
+        <p:nvCxnSpPr>
+          <p:cNvPr id="5" name="Gerader Verbinder 4"/>
+          <p:cNvCxnSpPr/>
+          <p:nvPr/>
+        </p:nvCxnSpPr>
+        <p:spPr>
+          <a:xfrm>
+            <a:off x="3143250" y="171450"/>
+            <a:ext cx="11430" cy="6686550"/>
+          </a:xfrm>
+          <a:prstGeom prst="line">
+            <a:avLst/>
+          </a:prstGeom>
+        </p:spPr>
+        <p:style>
+          <a:lnRef idx="1">
+            <a:schemeClr val="accent1"/>
+          </a:lnRef>
+          <a:fillRef idx="0">
+            <a:schemeClr val="accent1"/>
+          </a:fillRef>
+          <a:effectRef idx="0">
+            <a:schemeClr val="accent1"/>
+          </a:effectRef>
+          <a:fontRef idx="minor">
+            <a:schemeClr val="tx1"/>
+          </a:fontRef>
+        </p:style>
+      </p:cxnSp>
+      <p:sp>
+        <p:nvSpPr>
+          <p:cNvPr id="6" name="Textfeld 5"/>
+          <p:cNvSpPr txBox="1"/>
+          <p:nvPr/>
+        </p:nvSpPr>
+        <p:spPr>
+          <a:xfrm>
+            <a:off x="182880" y="171450"/>
+            <a:ext cx="677173" cy="369332"/>
+          </a:xfrm>
+          <a:prstGeom prst="rect">
+            <a:avLst/>
+          </a:prstGeom>
+          <a:noFill/>
+        </p:spPr>
+        <p:txBody>
+          <a:bodyPr wrap="none" rtlCol="0">
+            <a:spAutoFit/>
+          </a:bodyPr>
+          <a:lstStyle/>
+          <a:p>
+            <a:r>
+              <a:rPr lang="de-DE" smtClean="0"/>
+              <a:t>Stack</a:t>
+            </a:r>
+            <a:endParaRPr lang="de-DE"/>
+          </a:p>
+        </p:txBody>
+      </p:sp>
+      <p:sp>
+        <p:nvSpPr>
+          <p:cNvPr id="7" name="Textfeld 6"/>
+          <p:cNvSpPr txBox="1"/>
+          <p:nvPr/>
+        </p:nvSpPr>
+        <p:spPr>
+          <a:xfrm>
+            <a:off x="3600450" y="171450"/>
+            <a:ext cx="676788" cy="369332"/>
+          </a:xfrm>
+          <a:prstGeom prst="rect">
+            <a:avLst/>
+          </a:prstGeom>
+          <a:noFill/>
+        </p:spPr>
+        <p:txBody>
+          <a:bodyPr wrap="none" rtlCol="0">
+            <a:spAutoFit/>
+          </a:bodyPr>
+          <a:lstStyle/>
+          <a:p>
+            <a:r>
+              <a:rPr lang="de-DE" smtClean="0"/>
+              <a:t>Heap</a:t>
+            </a:r>
+            <a:endParaRPr lang="de-DE"/>
+          </a:p>
+        </p:txBody>
+      </p:sp>
+      <p:sp>
+        <p:nvSpPr>
+          <p:cNvPr id="8" name="Textfeld 7"/>
+          <p:cNvSpPr txBox="1"/>
+          <p:nvPr/>
+        </p:nvSpPr>
+        <p:spPr>
+          <a:xfrm>
+            <a:off x="9063990" y="356116"/>
+            <a:ext cx="2511265" cy="3416320"/>
+          </a:xfrm>
+          <a:prstGeom prst="rect">
+            <a:avLst/>
+          </a:prstGeom>
+          <a:noFill/>
+        </p:spPr>
+        <p:txBody>
+          <a:bodyPr wrap="none" rtlCol="0">
+            <a:spAutoFit/>
+          </a:bodyPr>
+          <a:lstStyle/>
+          <a:p>
+            <a:r>
+              <a:rPr lang="de-DE" smtClean="0"/>
+              <a:t>…main… {</a:t>
+            </a:r>
+          </a:p>
+          <a:p>
+            <a:r>
+              <a:rPr lang="de-DE" smtClean="0"/>
+              <a:t>    int x;</a:t>
+            </a:r>
+          </a:p>
+          <a:p>
+            <a:r>
+              <a:rPr lang="de-DE"/>
+              <a:t> </a:t>
+            </a:r>
+            <a:r>
+              <a:rPr lang="de-DE" smtClean="0"/>
+              <a:t>   x = -7; </a:t>
+            </a:r>
+            <a:r>
+              <a:rPr lang="de-DE" b="1" smtClean="0"/>
+              <a:t> </a:t>
+            </a:r>
+          </a:p>
+          <a:p>
+            <a:r>
+              <a:rPr lang="de-DE" smtClean="0"/>
+              <a:t>    </a:t>
+            </a:r>
+            <a:r>
+              <a:rPr lang="de-DE" b="1" smtClean="0"/>
+              <a:t>modify(x);   </a:t>
+            </a:r>
+          </a:p>
+          <a:p>
+            <a:r>
+              <a:rPr lang="de-DE" smtClean="0"/>
+              <a:t>    System.out.println(x);</a:t>
+            </a:r>
+          </a:p>
+          <a:p>
+            <a:r>
+              <a:rPr lang="de-DE" smtClean="0"/>
+              <a:t>}</a:t>
+            </a:r>
+          </a:p>
+          <a:p>
+            <a:endParaRPr lang="de-DE"/>
+          </a:p>
+          <a:p>
+            <a:r>
+              <a:rPr lang="de-DE" smtClean="0"/>
+              <a:t>static void modify(int x) {</a:t>
+            </a:r>
+          </a:p>
+          <a:p>
+            <a:r>
+              <a:rPr lang="de-DE" smtClean="0"/>
+              <a:t>     // Zeile X</a:t>
+            </a:r>
+          </a:p>
+          <a:p>
+            <a:r>
+              <a:rPr lang="de-DE" b="1" smtClean="0"/>
+              <a:t>     x = 22;</a:t>
+            </a:r>
+          </a:p>
+          <a:p>
+            <a:r>
+              <a:rPr lang="de-DE" smtClean="0"/>
+              <a:t>     // Zeile Y</a:t>
+            </a:r>
+            <a:endParaRPr lang="de-DE"/>
+          </a:p>
+          <a:p>
+            <a:r>
+              <a:rPr lang="de-DE" smtClean="0"/>
+              <a:t>}</a:t>
+            </a:r>
+            <a:endParaRPr lang="de-DE"/>
+          </a:p>
+        </p:txBody>
+      </p:sp>
+      <p:sp>
+        <p:nvSpPr>
+          <p:cNvPr id="9" name="Rechteck 8"/>
+          <p:cNvSpPr/>
+          <p:nvPr/>
+        </p:nvSpPr>
+        <p:spPr>
+          <a:xfrm>
+            <a:off x="710613" y="6217920"/>
+            <a:ext cx="1707384" cy="331470"/>
+          </a:xfrm>
+          <a:prstGeom prst="rect">
+            <a:avLst/>
+          </a:prstGeom>
+        </p:spPr>
+        <p:style>
+          <a:lnRef idx="2">
+            <a:schemeClr val="accent1">
+              <a:shade val="50000"/>
+            </a:schemeClr>
+          </a:lnRef>
+          <a:fillRef idx="1">
+            <a:schemeClr val="accent1"/>
+          </a:fillRef>
+          <a:effectRef idx="0">
+            <a:schemeClr val="accent1"/>
+          </a:effectRef>
+          <a:fontRef idx="minor">
+            <a:schemeClr val="lt1"/>
+          </a:fontRef>
+        </p:style>
+        <p:txBody>
+          <a:bodyPr rtlCol="0" anchor="ctr"/>
+          <a:lstStyle/>
+          <a:p>
+            <a:pPr algn="ctr"/>
+            <a:r>
+              <a:rPr lang="de-DE" smtClean="0"/>
+              <a:t>-7</a:t>
+            </a:r>
+            <a:endParaRPr lang="de-DE"/>
+          </a:p>
+        </p:txBody>
+      </p:sp>
+      <p:sp>
+        <p:nvSpPr>
+          <p:cNvPr id="10" name="Textfeld 9"/>
+          <p:cNvSpPr txBox="1"/>
+          <p:nvPr/>
+        </p:nvSpPr>
+        <p:spPr>
+          <a:xfrm>
+            <a:off x="40854" y="6180058"/>
+            <a:ext cx="284052" cy="369332"/>
+          </a:xfrm>
+          <a:prstGeom prst="rect">
+            <a:avLst/>
+          </a:prstGeom>
+          <a:noFill/>
+        </p:spPr>
+        <p:txBody>
+          <a:bodyPr wrap="none" rtlCol="0">
+            <a:spAutoFit/>
+          </a:bodyPr>
+          <a:lstStyle/>
+          <a:p>
+            <a:r>
+              <a:rPr lang="de-DE" smtClean="0"/>
+              <a:t>x</a:t>
+            </a:r>
+            <a:endParaRPr lang="de-DE"/>
+          </a:p>
+        </p:txBody>
+      </p:sp>
+      <p:sp>
+        <p:nvSpPr>
+          <p:cNvPr id="11" name="Textfeld 10"/>
+          <p:cNvSpPr txBox="1"/>
+          <p:nvPr/>
+        </p:nvSpPr>
+        <p:spPr>
+          <a:xfrm>
+            <a:off x="201010" y="6383655"/>
+            <a:ext cx="444352" cy="246221"/>
+          </a:xfrm>
+          <a:prstGeom prst="rect">
+            <a:avLst/>
+          </a:prstGeom>
+          <a:noFill/>
+        </p:spPr>
+        <p:txBody>
+          <a:bodyPr wrap="none" rtlCol="0">
+            <a:spAutoFit/>
+          </a:bodyPr>
+          <a:lstStyle/>
+          <a:p>
+            <a:r>
+              <a:rPr lang="de-DE" sz="1000" smtClean="0"/>
+              <a:t>main</a:t>
+            </a:r>
+            <a:endParaRPr lang="de-DE" sz="1000"/>
+          </a:p>
+        </p:txBody>
+      </p:sp>
+      <p:sp>
+        <p:nvSpPr>
+          <p:cNvPr id="13" name="Rechteck 12"/>
+          <p:cNvSpPr/>
+          <p:nvPr/>
+        </p:nvSpPr>
+        <p:spPr>
+          <a:xfrm>
+            <a:off x="738360" y="5725478"/>
+            <a:ext cx="1707384" cy="331470"/>
+          </a:xfrm>
+          <a:prstGeom prst="rect">
+            <a:avLst/>
+          </a:prstGeom>
+        </p:spPr>
+        <p:style>
+          <a:lnRef idx="2">
+            <a:schemeClr val="accent1">
+              <a:shade val="50000"/>
+            </a:schemeClr>
+          </a:lnRef>
+          <a:fillRef idx="1">
+            <a:schemeClr val="accent1"/>
+          </a:fillRef>
+          <a:effectRef idx="0">
+            <a:schemeClr val="accent1"/>
+          </a:effectRef>
+          <a:fontRef idx="minor">
+            <a:schemeClr val="lt1"/>
+          </a:fontRef>
+        </p:style>
+        <p:txBody>
+          <a:bodyPr rtlCol="0" anchor="ctr"/>
+          <a:lstStyle/>
+          <a:p>
+            <a:pPr algn="ctr"/>
+            <a:r>
+              <a:rPr lang="de-DE" smtClean="0"/>
+              <a:t>22</a:t>
+            </a:r>
+            <a:endParaRPr lang="de-DE"/>
+          </a:p>
+        </p:txBody>
+      </p:sp>
+      <p:sp>
+        <p:nvSpPr>
+          <p:cNvPr id="14" name="Textfeld 13"/>
+          <p:cNvSpPr txBox="1"/>
+          <p:nvPr/>
+        </p:nvSpPr>
+        <p:spPr>
+          <a:xfrm>
+            <a:off x="68601" y="5687616"/>
+            <a:ext cx="284052" cy="369332"/>
+          </a:xfrm>
+          <a:prstGeom prst="rect">
+            <a:avLst/>
+          </a:prstGeom>
+          <a:noFill/>
+        </p:spPr>
+        <p:txBody>
+          <a:bodyPr wrap="none" rtlCol="0">
+            <a:spAutoFit/>
+          </a:bodyPr>
+          <a:lstStyle/>
+          <a:p>
+            <a:r>
+              <a:rPr lang="de-DE" smtClean="0"/>
+              <a:t>x</a:t>
+            </a:r>
+            <a:endParaRPr lang="de-DE"/>
+          </a:p>
+        </p:txBody>
+      </p:sp>
+      <p:sp>
+        <p:nvSpPr>
+          <p:cNvPr id="15" name="Textfeld 14"/>
+          <p:cNvSpPr txBox="1"/>
+          <p:nvPr/>
+        </p:nvSpPr>
+        <p:spPr>
+          <a:xfrm>
+            <a:off x="228757" y="5891213"/>
+            <a:ext cx="546945" cy="246221"/>
+          </a:xfrm>
+          <a:prstGeom prst="rect">
+            <a:avLst/>
+          </a:prstGeom>
+          <a:noFill/>
+        </p:spPr>
+        <p:txBody>
+          <a:bodyPr wrap="none" rtlCol="0">
+            <a:spAutoFit/>
+          </a:bodyPr>
+          <a:lstStyle/>
+          <a:p>
+            <a:r>
+              <a:rPr lang="de-DE" sz="1000" smtClean="0"/>
+              <a:t>modify</a:t>
+            </a:r>
+            <a:endParaRPr lang="de-DE" sz="1000"/>
+          </a:p>
+        </p:txBody>
+      </p:sp>
+      <p:cxnSp>
+        <p:nvCxnSpPr>
+          <p:cNvPr id="3" name="Gerader Verbinder 2"/>
+          <p:cNvCxnSpPr/>
+          <p:nvPr/>
+        </p:nvCxnSpPr>
+        <p:spPr>
+          <a:xfrm flipH="1">
+            <a:off x="2617470" y="3051810"/>
+            <a:ext cx="6663690" cy="2673668"/>
+          </a:xfrm>
+          <a:prstGeom prst="line">
+            <a:avLst/>
+          </a:prstGeom>
+          <a:ln>
+            <a:prstDash val="lgDash"/>
+          </a:ln>
+        </p:spPr>
+        <p:style>
+          <a:lnRef idx="1">
+            <a:schemeClr val="accent1"/>
+          </a:lnRef>
+          <a:fillRef idx="0">
+            <a:schemeClr val="accent1"/>
+          </a:fillRef>
+          <a:effectRef idx="0">
+            <a:schemeClr val="accent1"/>
+          </a:effectRef>
+          <a:fontRef idx="minor">
+            <a:schemeClr val="tx1"/>
+          </a:fontRef>
+        </p:style>
+      </p:cxnSp>
+    </p:spTree>
+    <p:extLst>
+      <p:ext uri="{BB962C8B-B14F-4D97-AF65-F5344CB8AC3E}">
+        <p14:creationId xmlns:p14="http://schemas.microsoft.com/office/powerpoint/2010/main" val="2283362015"/>
+      </p:ext>
+    </p:extLst>
+  </p:cSld>
+  <p:clrMapOvr>
+    <a:masterClrMapping/>
+  </p:clrMapOvr>
+</p:sld>
+</file>
+
+<file path=ppt/slides/slide7.xml><?xml version="1.0" encoding="utf-8"?>
+<p:sld xmlns:a="http://schemas.openxmlformats.org/drawingml/2006/main" xmlns:r="http://schemas.openxmlformats.org/officeDocument/2006/relationships" xmlns:p="http://schemas.openxmlformats.org/presentationml/2006/main">
+  <p:cSld>
+    <p:spTree>
+      <p:nvGrpSpPr>
+        <p:cNvPr id="1" name=""/>
+        <p:cNvGrpSpPr/>
+        <p:nvPr/>
+      </p:nvGrpSpPr>
+      <p:grpSpPr>
+        <a:xfrm>
+          <a:off x="0" y="0"/>
+          <a:ext cx="0" cy="0"/>
+          <a:chOff x="0" y="0"/>
+          <a:chExt cx="0" cy="0"/>
+        </a:xfrm>
+      </p:grpSpPr>
+      <p:cxnSp>
+        <p:nvCxnSpPr>
+          <p:cNvPr id="5" name="Gerader Verbinder 4"/>
+          <p:cNvCxnSpPr/>
+          <p:nvPr/>
+        </p:nvCxnSpPr>
+        <p:spPr>
+          <a:xfrm>
+            <a:off x="3143250" y="171450"/>
+            <a:ext cx="11430" cy="6686550"/>
+          </a:xfrm>
+          <a:prstGeom prst="line">
+            <a:avLst/>
+          </a:prstGeom>
+        </p:spPr>
+        <p:style>
+          <a:lnRef idx="1">
+            <a:schemeClr val="accent1"/>
+          </a:lnRef>
+          <a:fillRef idx="0">
+            <a:schemeClr val="accent1"/>
+          </a:fillRef>
+          <a:effectRef idx="0">
+            <a:schemeClr val="accent1"/>
+          </a:effectRef>
+          <a:fontRef idx="minor">
+            <a:schemeClr val="tx1"/>
+          </a:fontRef>
+        </p:style>
+      </p:cxnSp>
+      <p:sp>
+        <p:nvSpPr>
+          <p:cNvPr id="6" name="Textfeld 5"/>
+          <p:cNvSpPr txBox="1"/>
+          <p:nvPr/>
+        </p:nvSpPr>
+        <p:spPr>
+          <a:xfrm>
+            <a:off x="182880" y="171450"/>
+            <a:ext cx="677173" cy="369332"/>
+          </a:xfrm>
+          <a:prstGeom prst="rect">
+            <a:avLst/>
+          </a:prstGeom>
+          <a:noFill/>
+        </p:spPr>
+        <p:txBody>
+          <a:bodyPr wrap="none" rtlCol="0">
+            <a:spAutoFit/>
+          </a:bodyPr>
+          <a:lstStyle/>
+          <a:p>
+            <a:r>
+              <a:rPr lang="de-DE" smtClean="0"/>
+              <a:t>Stack</a:t>
+            </a:r>
+            <a:endParaRPr lang="de-DE"/>
+          </a:p>
+        </p:txBody>
+      </p:sp>
+      <p:sp>
+        <p:nvSpPr>
+          <p:cNvPr id="7" name="Textfeld 6"/>
+          <p:cNvSpPr txBox="1"/>
+          <p:nvPr/>
+        </p:nvSpPr>
+        <p:spPr>
+          <a:xfrm>
+            <a:off x="3600450" y="171450"/>
+            <a:ext cx="676788" cy="369332"/>
+          </a:xfrm>
+          <a:prstGeom prst="rect">
+            <a:avLst/>
+          </a:prstGeom>
+          <a:noFill/>
+        </p:spPr>
+        <p:txBody>
+          <a:bodyPr wrap="none" rtlCol="0">
+            <a:spAutoFit/>
+          </a:bodyPr>
+          <a:lstStyle/>
+          <a:p>
+            <a:r>
+              <a:rPr lang="de-DE" smtClean="0"/>
+              <a:t>Heap</a:t>
+            </a:r>
+            <a:endParaRPr lang="de-DE"/>
+          </a:p>
+        </p:txBody>
+      </p:sp>
+      <p:sp>
+        <p:nvSpPr>
+          <p:cNvPr id="8" name="Textfeld 7"/>
+          <p:cNvSpPr txBox="1"/>
+          <p:nvPr/>
+        </p:nvSpPr>
+        <p:spPr>
+          <a:xfrm>
+            <a:off x="9063990" y="356116"/>
+            <a:ext cx="2511265" cy="3416320"/>
+          </a:xfrm>
+          <a:prstGeom prst="rect">
+            <a:avLst/>
+          </a:prstGeom>
+          <a:noFill/>
+        </p:spPr>
+        <p:txBody>
+          <a:bodyPr wrap="none" rtlCol="0">
+            <a:spAutoFit/>
+          </a:bodyPr>
+          <a:lstStyle/>
+          <a:p>
+            <a:r>
+              <a:rPr lang="de-DE" smtClean="0"/>
+              <a:t>…main… {</a:t>
+            </a:r>
+          </a:p>
+          <a:p>
+            <a:r>
+              <a:rPr lang="de-DE" smtClean="0"/>
+              <a:t>    int x;</a:t>
+            </a:r>
+          </a:p>
+          <a:p>
+            <a:r>
+              <a:rPr lang="de-DE"/>
+              <a:t> </a:t>
+            </a:r>
+            <a:r>
+              <a:rPr lang="de-DE" smtClean="0"/>
+              <a:t>   x = -7; </a:t>
+            </a:r>
+            <a:r>
+              <a:rPr lang="de-DE" b="1" smtClean="0"/>
+              <a:t> </a:t>
+            </a:r>
+          </a:p>
+          <a:p>
+            <a:r>
+              <a:rPr lang="de-DE" smtClean="0"/>
+              <a:t>    modify(x);  </a:t>
+            </a:r>
+            <a:r>
+              <a:rPr lang="de-DE" b="1" smtClean="0"/>
+              <a:t> // hier</a:t>
+            </a:r>
+          </a:p>
+          <a:p>
+            <a:r>
+              <a:rPr lang="de-DE" smtClean="0"/>
+              <a:t>    System.out.println(x);</a:t>
+            </a:r>
+          </a:p>
+          <a:p>
+            <a:r>
+              <a:rPr lang="de-DE" smtClean="0"/>
+              <a:t>}</a:t>
+            </a:r>
+          </a:p>
+          <a:p>
+            <a:endParaRPr lang="de-DE"/>
+          </a:p>
+          <a:p>
+            <a:r>
+              <a:rPr lang="de-DE" smtClean="0"/>
+              <a:t>static void modify(int x) {</a:t>
+            </a:r>
+          </a:p>
+          <a:p>
+            <a:r>
+              <a:rPr lang="de-DE" smtClean="0"/>
+              <a:t>     // Zeile X</a:t>
+            </a:r>
+          </a:p>
+          <a:p>
+            <a:r>
+              <a:rPr lang="de-DE" smtClean="0"/>
+              <a:t>     x = 22;</a:t>
+            </a:r>
+          </a:p>
+          <a:p>
+            <a:r>
+              <a:rPr lang="de-DE" smtClean="0"/>
+              <a:t>     // Zeile Y</a:t>
+            </a:r>
+            <a:endParaRPr lang="de-DE"/>
+          </a:p>
+          <a:p>
+            <a:r>
+              <a:rPr lang="de-DE" smtClean="0"/>
+              <a:t>}</a:t>
+            </a:r>
+            <a:endParaRPr lang="de-DE"/>
+          </a:p>
+        </p:txBody>
+      </p:sp>
+      <p:sp>
+        <p:nvSpPr>
+          <p:cNvPr id="9" name="Rechteck 8"/>
+          <p:cNvSpPr/>
+          <p:nvPr/>
+        </p:nvSpPr>
+        <p:spPr>
+          <a:xfrm>
+            <a:off x="710613" y="6217920"/>
+            <a:ext cx="1707384" cy="331470"/>
+          </a:xfrm>
+          <a:prstGeom prst="rect">
+            <a:avLst/>
+          </a:prstGeom>
+        </p:spPr>
+        <p:style>
+          <a:lnRef idx="2">
+            <a:schemeClr val="accent1">
+              <a:shade val="50000"/>
+            </a:schemeClr>
+          </a:lnRef>
+          <a:fillRef idx="1">
+            <a:schemeClr val="accent1"/>
+          </a:fillRef>
+          <a:effectRef idx="0">
+            <a:schemeClr val="accent1"/>
+          </a:effectRef>
+          <a:fontRef idx="minor">
+            <a:schemeClr val="lt1"/>
+          </a:fontRef>
+        </p:style>
+        <p:txBody>
+          <a:bodyPr rtlCol="0" anchor="ctr"/>
+          <a:lstStyle/>
+          <a:p>
+            <a:pPr algn="ctr"/>
+            <a:r>
+              <a:rPr lang="de-DE" smtClean="0"/>
+              <a:t>-7</a:t>
+            </a:r>
+            <a:endParaRPr lang="de-DE"/>
+          </a:p>
+        </p:txBody>
+      </p:sp>
+      <p:sp>
+        <p:nvSpPr>
+          <p:cNvPr id="10" name="Textfeld 9"/>
+          <p:cNvSpPr txBox="1"/>
+          <p:nvPr/>
+        </p:nvSpPr>
+        <p:spPr>
+          <a:xfrm>
+            <a:off x="40854" y="6180058"/>
+            <a:ext cx="284052" cy="369332"/>
+          </a:xfrm>
+          <a:prstGeom prst="rect">
+            <a:avLst/>
+          </a:prstGeom>
+          <a:noFill/>
+        </p:spPr>
+        <p:txBody>
+          <a:bodyPr wrap="none" rtlCol="0">
+            <a:spAutoFit/>
+          </a:bodyPr>
+          <a:lstStyle/>
+          <a:p>
+            <a:r>
+              <a:rPr lang="de-DE" smtClean="0"/>
+              <a:t>x</a:t>
+            </a:r>
+            <a:endParaRPr lang="de-DE"/>
+          </a:p>
+        </p:txBody>
+      </p:sp>
+      <p:sp>
+        <p:nvSpPr>
+          <p:cNvPr id="11" name="Textfeld 10"/>
+          <p:cNvSpPr txBox="1"/>
+          <p:nvPr/>
+        </p:nvSpPr>
+        <p:spPr>
+          <a:xfrm>
+            <a:off x="201010" y="6383655"/>
+            <a:ext cx="444352" cy="246221"/>
+          </a:xfrm>
+          <a:prstGeom prst="rect">
+            <a:avLst/>
+          </a:prstGeom>
+          <a:noFill/>
+        </p:spPr>
+        <p:txBody>
+          <a:bodyPr wrap="none" rtlCol="0">
+            <a:spAutoFit/>
+          </a:bodyPr>
+          <a:lstStyle/>
+          <a:p>
+            <a:r>
+              <a:rPr lang="de-DE" sz="1000" smtClean="0"/>
+              <a:t>main</a:t>
+            </a:r>
+            <a:endParaRPr lang="de-DE" sz="1000"/>
+          </a:p>
+        </p:txBody>
+      </p:sp>
+      <p:cxnSp>
+        <p:nvCxnSpPr>
+          <p:cNvPr id="4" name="Gerade Verbindung mit Pfeil 3"/>
+          <p:cNvCxnSpPr/>
+          <p:nvPr/>
+        </p:nvCxnSpPr>
+        <p:spPr>
+          <a:xfrm>
+            <a:off x="7735990" y="857250"/>
+            <a:ext cx="3019640" cy="525780"/>
+          </a:xfrm>
+          <a:prstGeom prst="straightConnector1">
+            <a:avLst/>
+          </a:prstGeom>
+          <a:ln>
+            <a:tailEnd type="triangle"/>
+          </a:ln>
+        </p:spPr>
+        <p:style>
+          <a:lnRef idx="1">
+            <a:schemeClr val="accent1"/>
+          </a:lnRef>
+          <a:fillRef idx="0">
+            <a:schemeClr val="accent1"/>
+          </a:fillRef>
+          <a:effectRef idx="0">
+            <a:schemeClr val="accent1"/>
+          </a:effectRef>
+          <a:fontRef idx="minor">
+            <a:schemeClr val="tx1"/>
+          </a:fontRef>
+        </p:style>
+      </p:cxnSp>
+      <p:sp>
+        <p:nvSpPr>
+          <p:cNvPr id="16" name="Textfeld 15"/>
+          <p:cNvSpPr txBox="1"/>
+          <p:nvPr/>
+        </p:nvSpPr>
+        <p:spPr>
+          <a:xfrm>
+            <a:off x="5088470" y="356116"/>
+            <a:ext cx="3370474" cy="1477328"/>
+          </a:xfrm>
+          <a:prstGeom prst="rect">
+            <a:avLst/>
+          </a:prstGeom>
+          <a:noFill/>
+        </p:spPr>
+        <p:txBody>
+          <a:bodyPr wrap="none" rtlCol="0">
+            <a:spAutoFit/>
+          </a:bodyPr>
+          <a:lstStyle/>
+          <a:p>
+            <a:r>
+              <a:rPr lang="de-DE" i="1" smtClean="0"/>
+              <a:t>halten wir gedanklich </a:t>
+            </a:r>
+          </a:p>
+          <a:p>
+            <a:r>
+              <a:rPr lang="de-DE" i="1" smtClean="0"/>
+              <a:t>direkt nach dem Aufruf an</a:t>
+            </a:r>
+          </a:p>
+          <a:p>
+            <a:endParaRPr lang="de-DE" i="1"/>
+          </a:p>
+          <a:p>
+            <a:r>
+              <a:rPr lang="de-DE" i="1" smtClean="0"/>
+              <a:t>Die modifiy ist vorbei,</a:t>
+            </a:r>
+          </a:p>
+          <a:p>
+            <a:r>
+              <a:rPr lang="de-DE" i="1" smtClean="0"/>
+              <a:t>ihre x ist vom Stack verschwunden</a:t>
+            </a:r>
+            <a:endParaRPr lang="de-DE" i="1"/>
+          </a:p>
+        </p:txBody>
+      </p:sp>
+    </p:spTree>
+    <p:extLst>
+      <p:ext uri="{BB962C8B-B14F-4D97-AF65-F5344CB8AC3E}">
+        <p14:creationId xmlns:p14="http://schemas.microsoft.com/office/powerpoint/2010/main" val="3659084301"/>
+      </p:ext>
+    </p:extLst>
+  </p:cSld>
+  <p:clrMapOvr>
+    <a:masterClrMapping/>
+  </p:clrMapOvr>
+</p:sld>
+</file>
+
+<file path=ppt/slides/slide8.xml><?xml version="1.0" encoding="utf-8"?>
+<p:sld xmlns:a="http://schemas.openxmlformats.org/drawingml/2006/main" xmlns:r="http://schemas.openxmlformats.org/officeDocument/2006/relationships" xmlns:p="http://schemas.openxmlformats.org/presentationml/2006/main">
+  <p:cSld>
+    <p:spTree>
+      <p:nvGrpSpPr>
+        <p:cNvPr id="1" name=""/>
+        <p:cNvGrpSpPr/>
+        <p:nvPr/>
+      </p:nvGrpSpPr>
+      <p:grpSpPr>
+        <a:xfrm>
+          <a:off x="0" y="0"/>
+          <a:ext cx="0" cy="0"/>
+          <a:chOff x="0" y="0"/>
+          <a:chExt cx="0" cy="0"/>
+        </a:xfrm>
+      </p:grpSpPr>
+      <p:cxnSp>
+        <p:nvCxnSpPr>
+          <p:cNvPr id="5" name="Gerader Verbinder 4"/>
+          <p:cNvCxnSpPr/>
+          <p:nvPr/>
+        </p:nvCxnSpPr>
+        <p:spPr>
+          <a:xfrm>
+            <a:off x="3143250" y="171450"/>
+            <a:ext cx="11430" cy="6686550"/>
+          </a:xfrm>
+          <a:prstGeom prst="line">
+            <a:avLst/>
+          </a:prstGeom>
+        </p:spPr>
+        <p:style>
+          <a:lnRef idx="1">
+            <a:schemeClr val="accent1"/>
+          </a:lnRef>
+          <a:fillRef idx="0">
+            <a:schemeClr val="accent1"/>
+          </a:fillRef>
+          <a:effectRef idx="0">
+            <a:schemeClr val="accent1"/>
+          </a:effectRef>
+          <a:fontRef idx="minor">
+            <a:schemeClr val="tx1"/>
+          </a:fontRef>
+        </p:style>
+      </p:cxnSp>
+      <p:sp>
+        <p:nvSpPr>
+          <p:cNvPr id="6" name="Textfeld 5"/>
+          <p:cNvSpPr txBox="1"/>
+          <p:nvPr/>
+        </p:nvSpPr>
+        <p:spPr>
+          <a:xfrm>
+            <a:off x="182880" y="171450"/>
+            <a:ext cx="677173" cy="369332"/>
+          </a:xfrm>
+          <a:prstGeom prst="rect">
+            <a:avLst/>
+          </a:prstGeom>
+          <a:noFill/>
+        </p:spPr>
+        <p:txBody>
+          <a:bodyPr wrap="none" rtlCol="0">
+            <a:spAutoFit/>
+          </a:bodyPr>
+          <a:lstStyle/>
+          <a:p>
+            <a:r>
+              <a:rPr lang="de-DE" smtClean="0"/>
+              <a:t>Stack</a:t>
+            </a:r>
+            <a:endParaRPr lang="de-DE"/>
+          </a:p>
+        </p:txBody>
+      </p:sp>
+      <p:sp>
+        <p:nvSpPr>
+          <p:cNvPr id="7" name="Textfeld 6"/>
+          <p:cNvSpPr txBox="1"/>
+          <p:nvPr/>
+        </p:nvSpPr>
+        <p:spPr>
+          <a:xfrm>
+            <a:off x="3600450" y="171450"/>
+            <a:ext cx="676788" cy="369332"/>
+          </a:xfrm>
+          <a:prstGeom prst="rect">
+            <a:avLst/>
+          </a:prstGeom>
+          <a:noFill/>
+        </p:spPr>
+        <p:txBody>
+          <a:bodyPr wrap="none" rtlCol="0">
+            <a:spAutoFit/>
+          </a:bodyPr>
+          <a:lstStyle/>
+          <a:p>
+            <a:r>
+              <a:rPr lang="de-DE" smtClean="0"/>
+              <a:t>Heap</a:t>
+            </a:r>
+            <a:endParaRPr lang="de-DE"/>
+          </a:p>
+        </p:txBody>
+      </p:sp>
+      <p:sp>
+        <p:nvSpPr>
+          <p:cNvPr id="8" name="Textfeld 7"/>
+          <p:cNvSpPr txBox="1"/>
+          <p:nvPr/>
+        </p:nvSpPr>
+        <p:spPr>
+          <a:xfrm>
+            <a:off x="9063990" y="356116"/>
+            <a:ext cx="2511265" cy="3416320"/>
+          </a:xfrm>
+          <a:prstGeom prst="rect">
+            <a:avLst/>
+          </a:prstGeom>
+          <a:noFill/>
+        </p:spPr>
+        <p:txBody>
+          <a:bodyPr wrap="none" rtlCol="0">
+            <a:spAutoFit/>
+          </a:bodyPr>
+          <a:lstStyle/>
+          <a:p>
+            <a:r>
+              <a:rPr lang="de-DE" smtClean="0"/>
+              <a:t>…main… {</a:t>
+            </a:r>
+          </a:p>
+          <a:p>
+            <a:r>
+              <a:rPr lang="de-DE" smtClean="0"/>
+              <a:t>    int x;</a:t>
+            </a:r>
+          </a:p>
+          <a:p>
+            <a:r>
+              <a:rPr lang="de-DE"/>
+              <a:t> </a:t>
+            </a:r>
+            <a:r>
+              <a:rPr lang="de-DE" smtClean="0"/>
+              <a:t>   x = -7; </a:t>
+            </a:r>
+            <a:r>
+              <a:rPr lang="de-DE" b="1" smtClean="0"/>
+              <a:t> </a:t>
+            </a:r>
+          </a:p>
+          <a:p>
+            <a:r>
+              <a:rPr lang="de-DE" smtClean="0"/>
+              <a:t>    modify(x);  </a:t>
+            </a:r>
+            <a:r>
+              <a:rPr lang="de-DE" b="1" smtClean="0"/>
+              <a:t> </a:t>
+            </a:r>
+          </a:p>
+          <a:p>
+            <a:r>
+              <a:rPr lang="de-DE" smtClean="0"/>
+              <a:t>    </a:t>
+            </a:r>
+            <a:r>
+              <a:rPr lang="de-DE" b="1" smtClean="0"/>
+              <a:t>System.out.println(x)</a:t>
+            </a:r>
+            <a:r>
+              <a:rPr lang="de-DE" smtClean="0"/>
+              <a:t>;</a:t>
+            </a:r>
+          </a:p>
+          <a:p>
+            <a:r>
+              <a:rPr lang="de-DE" smtClean="0"/>
+              <a:t>}</a:t>
+            </a:r>
+          </a:p>
+          <a:p>
+            <a:endParaRPr lang="de-DE"/>
+          </a:p>
+          <a:p>
+            <a:r>
+              <a:rPr lang="de-DE" smtClean="0"/>
+              <a:t>static void modify(int x) {</a:t>
+            </a:r>
+          </a:p>
+          <a:p>
+            <a:r>
+              <a:rPr lang="de-DE" smtClean="0"/>
+              <a:t>     // Zeile X</a:t>
+            </a:r>
+          </a:p>
+          <a:p>
+            <a:r>
+              <a:rPr lang="de-DE" smtClean="0"/>
+              <a:t>     x = 22;</a:t>
+            </a:r>
+          </a:p>
+          <a:p>
+            <a:r>
+              <a:rPr lang="de-DE" smtClean="0"/>
+              <a:t>     // Zeile Y</a:t>
+            </a:r>
+            <a:endParaRPr lang="de-DE"/>
+          </a:p>
+          <a:p>
+            <a:r>
+              <a:rPr lang="de-DE" smtClean="0"/>
+              <a:t>}</a:t>
+            </a:r>
+            <a:endParaRPr lang="de-DE"/>
+          </a:p>
+        </p:txBody>
+      </p:sp>
+      <p:sp>
+        <p:nvSpPr>
+          <p:cNvPr id="9" name="Rechteck 8"/>
+          <p:cNvSpPr/>
+          <p:nvPr/>
+        </p:nvSpPr>
+        <p:spPr>
+          <a:xfrm>
+            <a:off x="710613" y="6217920"/>
+            <a:ext cx="1707384" cy="331470"/>
+          </a:xfrm>
+          <a:prstGeom prst="rect">
+            <a:avLst/>
+          </a:prstGeom>
+        </p:spPr>
+        <p:style>
+          <a:lnRef idx="2">
+            <a:schemeClr val="accent1">
+              <a:shade val="50000"/>
+            </a:schemeClr>
+          </a:lnRef>
+          <a:fillRef idx="1">
+            <a:schemeClr val="accent1"/>
+          </a:fillRef>
+          <a:effectRef idx="0">
+            <a:schemeClr val="accent1"/>
+          </a:effectRef>
+          <a:fontRef idx="minor">
+            <a:schemeClr val="lt1"/>
+          </a:fontRef>
+        </p:style>
+        <p:txBody>
+          <a:bodyPr rtlCol="0" anchor="ctr"/>
+          <a:lstStyle/>
+          <a:p>
+            <a:pPr algn="ctr"/>
+            <a:r>
+              <a:rPr lang="de-DE" smtClean="0"/>
+              <a:t>-7</a:t>
+            </a:r>
+            <a:endParaRPr lang="de-DE"/>
+          </a:p>
+        </p:txBody>
+      </p:sp>
+      <p:sp>
+        <p:nvSpPr>
+          <p:cNvPr id="10" name="Textfeld 9"/>
+          <p:cNvSpPr txBox="1"/>
+          <p:nvPr/>
+        </p:nvSpPr>
+        <p:spPr>
+          <a:xfrm>
+            <a:off x="40854" y="6180058"/>
+            <a:ext cx="284052" cy="369332"/>
+          </a:xfrm>
+          <a:prstGeom prst="rect">
+            <a:avLst/>
+          </a:prstGeom>
+          <a:noFill/>
+        </p:spPr>
+        <p:txBody>
+          <a:bodyPr wrap="none" rtlCol="0">
+            <a:spAutoFit/>
+          </a:bodyPr>
+          <a:lstStyle/>
+          <a:p>
+            <a:r>
+              <a:rPr lang="de-DE" smtClean="0"/>
+              <a:t>x</a:t>
+            </a:r>
+            <a:endParaRPr lang="de-DE"/>
+          </a:p>
+        </p:txBody>
+      </p:sp>
+      <p:sp>
+        <p:nvSpPr>
+          <p:cNvPr id="11" name="Textfeld 10"/>
+          <p:cNvSpPr txBox="1"/>
+          <p:nvPr/>
+        </p:nvSpPr>
+        <p:spPr>
+          <a:xfrm>
+            <a:off x="201010" y="6383655"/>
+            <a:ext cx="444352" cy="246221"/>
+          </a:xfrm>
+          <a:prstGeom prst="rect">
+            <a:avLst/>
+          </a:prstGeom>
+          <a:noFill/>
+        </p:spPr>
+        <p:txBody>
+          <a:bodyPr wrap="none" rtlCol="0">
+            <a:spAutoFit/>
+          </a:bodyPr>
+          <a:lstStyle/>
+          <a:p>
+            <a:r>
+              <a:rPr lang="de-DE" sz="1000" smtClean="0"/>
+              <a:t>main</a:t>
+            </a:r>
+            <a:endParaRPr lang="de-DE" sz="1000"/>
+          </a:p>
+        </p:txBody>
+      </p:sp>
+    </p:spTree>
+    <p:extLst>
+      <p:ext uri="{BB962C8B-B14F-4D97-AF65-F5344CB8AC3E}">
+        <p14:creationId xmlns:p14="http://schemas.microsoft.com/office/powerpoint/2010/main" val="3626791233"/>
       </p:ext>
     </p:extLst>
   </p:cSld>
